--- a/ava-g4-hackathon-2.0.pptx
+++ b/ava-g4-hackathon-2.0.pptx
@@ -8,13 +8,12 @@
     <p:sldId id="260" r:id="rId2"/>
     <p:sldId id="266" r:id="rId3"/>
     <p:sldId id="259" r:id="rId4"/>
-    <p:sldId id="268" r:id="rId5"/>
-    <p:sldId id="267" r:id="rId6"/>
-    <p:sldId id="269" r:id="rId7"/>
-    <p:sldId id="270" r:id="rId8"/>
-    <p:sldId id="265" r:id="rId9"/>
-    <p:sldId id="262" r:id="rId10"/>
-    <p:sldId id="261" r:id="rId11"/>
+    <p:sldId id="267" r:id="rId5"/>
+    <p:sldId id="269" r:id="rId6"/>
+    <p:sldId id="265" r:id="rId7"/>
+    <p:sldId id="271" r:id="rId8"/>
+    <p:sldId id="262" r:id="rId9"/>
+    <p:sldId id="270" r:id="rId10"/>
   </p:sldIdLst>
   <p:sldSz cx="12192000" cy="6858000"/>
   <p:notesSz cx="6858000" cy="9144000"/>
@@ -121,6 +120,10 @@
 </p:presentation>
 </file>
 
+<file path=ppt/revisionInfo.xml><?xml version="1.0" encoding="utf-8"?>
+<p1510:revInfo xmlns:a="http://schemas.openxmlformats.org/drawingml/2006/main" xmlns:r="http://schemas.openxmlformats.org/officeDocument/2006/relationships" xmlns:p1510="http://schemas.microsoft.com/office/powerpoint/2015/10/main"/>
+</file>
+
 <file path=ppt/slideLayouts/slideLayout1.xml><?xml version="1.0" encoding="utf-8"?>
 <p:sldLayout xmlns:a="http://schemas.openxmlformats.org/drawingml/2006/main" xmlns:r="http://schemas.openxmlformats.org/officeDocument/2006/relationships" xmlns:p="http://schemas.openxmlformats.org/presentationml/2006/main" type="title" preserve="1">
   <p:cSld name="Slide de título">
@@ -163,10 +166,9 @@
           </a:lstStyle>
           <a:p>
             <a:r>
-              <a:rPr lang="pt-BR" smtClean="0"/>
+              <a:rPr lang="pt-BR"/>
               <a:t>Clique para editar o título mestre</a:t>
             </a:r>
-            <a:endParaRPr lang="pt-BR"/>
           </a:p>
         </p:txBody>
       </p:sp>
@@ -228,10 +230,9 @@
           </a:lstStyle>
           <a:p>
             <a:r>
-              <a:rPr lang="pt-BR" smtClean="0"/>
+              <a:rPr lang="pt-BR"/>
               <a:t>Clique para editar o estilo do subtítulo mestre</a:t>
             </a:r>
-            <a:endParaRPr lang="pt-BR"/>
           </a:p>
         </p:txBody>
       </p:sp>
@@ -252,7 +253,7 @@
           <a:p>
             <a:fld id="{2A9345D6-A325-4422-ADAB-57FCDBE2EBED}" type="datetimeFigureOut">
               <a:rPr lang="pt-BR" smtClean="0"/>
-              <a:t>20/01/2018</a:t>
+              <a:t>21/01/2018</a:t>
             </a:fld>
             <a:endParaRPr lang="pt-BR"/>
           </a:p>
@@ -346,10 +347,9 @@
           <a:lstStyle/>
           <a:p>
             <a:r>
-              <a:rPr lang="pt-BR" smtClean="0"/>
+              <a:rPr lang="pt-BR"/>
               <a:t>Clique para editar o título mestre</a:t>
             </a:r>
-            <a:endParaRPr lang="pt-BR"/>
           </a:p>
         </p:txBody>
       </p:sp>
@@ -370,38 +370,37 @@
           <a:p>
             <a:pPr lvl="0"/>
             <a:r>
-              <a:rPr lang="pt-BR" smtClean="0"/>
+              <a:rPr lang="pt-BR"/>
               <a:t>Clique para editar o texto mestre</a:t>
             </a:r>
           </a:p>
           <a:p>
             <a:pPr lvl="1"/>
             <a:r>
-              <a:rPr lang="pt-BR" smtClean="0"/>
+              <a:rPr lang="pt-BR"/>
               <a:t>Segundo nível</a:t>
             </a:r>
           </a:p>
           <a:p>
             <a:pPr lvl="2"/>
             <a:r>
-              <a:rPr lang="pt-BR" smtClean="0"/>
+              <a:rPr lang="pt-BR"/>
               <a:t>Terceiro nível</a:t>
             </a:r>
           </a:p>
           <a:p>
             <a:pPr lvl="3"/>
             <a:r>
-              <a:rPr lang="pt-BR" smtClean="0"/>
+              <a:rPr lang="pt-BR"/>
               <a:t>Quarto nível</a:t>
             </a:r>
           </a:p>
           <a:p>
             <a:pPr lvl="4"/>
             <a:r>
-              <a:rPr lang="pt-BR" smtClean="0"/>
+              <a:rPr lang="pt-BR"/>
               <a:t>Quinto nível</a:t>
             </a:r>
-            <a:endParaRPr lang="pt-BR"/>
           </a:p>
         </p:txBody>
       </p:sp>
@@ -422,7 +421,7 @@
           <a:p>
             <a:fld id="{2A9345D6-A325-4422-ADAB-57FCDBE2EBED}" type="datetimeFigureOut">
               <a:rPr lang="pt-BR" smtClean="0"/>
-              <a:t>20/01/2018</a:t>
+              <a:t>21/01/2018</a:t>
             </a:fld>
             <a:endParaRPr lang="pt-BR"/>
           </a:p>
@@ -521,10 +520,9 @@
           <a:lstStyle/>
           <a:p>
             <a:r>
-              <a:rPr lang="pt-BR" smtClean="0"/>
+              <a:rPr lang="pt-BR"/>
               <a:t>Clique para editar o título mestre</a:t>
             </a:r>
-            <a:endParaRPr lang="pt-BR"/>
           </a:p>
         </p:txBody>
       </p:sp>
@@ -550,38 +548,37 @@
           <a:p>
             <a:pPr lvl="0"/>
             <a:r>
-              <a:rPr lang="pt-BR" smtClean="0"/>
+              <a:rPr lang="pt-BR"/>
               <a:t>Clique para editar o texto mestre</a:t>
             </a:r>
           </a:p>
           <a:p>
             <a:pPr lvl="1"/>
             <a:r>
-              <a:rPr lang="pt-BR" smtClean="0"/>
+              <a:rPr lang="pt-BR"/>
               <a:t>Segundo nível</a:t>
             </a:r>
           </a:p>
           <a:p>
             <a:pPr lvl="2"/>
             <a:r>
-              <a:rPr lang="pt-BR" smtClean="0"/>
+              <a:rPr lang="pt-BR"/>
               <a:t>Terceiro nível</a:t>
             </a:r>
           </a:p>
           <a:p>
             <a:pPr lvl="3"/>
             <a:r>
-              <a:rPr lang="pt-BR" smtClean="0"/>
+              <a:rPr lang="pt-BR"/>
               <a:t>Quarto nível</a:t>
             </a:r>
           </a:p>
           <a:p>
             <a:pPr lvl="4"/>
             <a:r>
-              <a:rPr lang="pt-BR" smtClean="0"/>
+              <a:rPr lang="pt-BR"/>
               <a:t>Quinto nível</a:t>
             </a:r>
-            <a:endParaRPr lang="pt-BR"/>
           </a:p>
         </p:txBody>
       </p:sp>
@@ -602,7 +599,7 @@
           <a:p>
             <a:fld id="{2A9345D6-A325-4422-ADAB-57FCDBE2EBED}" type="datetimeFigureOut">
               <a:rPr lang="pt-BR" smtClean="0"/>
-              <a:t>20/01/2018</a:t>
+              <a:t>21/01/2018</a:t>
             </a:fld>
             <a:endParaRPr lang="pt-BR"/>
           </a:p>
@@ -696,10 +693,9 @@
           <a:lstStyle/>
           <a:p>
             <a:r>
-              <a:rPr lang="pt-BR" smtClean="0"/>
+              <a:rPr lang="pt-BR"/>
               <a:t>Clique para editar o título mestre</a:t>
             </a:r>
-            <a:endParaRPr lang="pt-BR"/>
           </a:p>
         </p:txBody>
       </p:sp>
@@ -720,38 +716,37 @@
           <a:p>
             <a:pPr lvl="0"/>
             <a:r>
-              <a:rPr lang="pt-BR" smtClean="0"/>
+              <a:rPr lang="pt-BR"/>
               <a:t>Clique para editar o texto mestre</a:t>
             </a:r>
           </a:p>
           <a:p>
             <a:pPr lvl="1"/>
             <a:r>
-              <a:rPr lang="pt-BR" smtClean="0"/>
+              <a:rPr lang="pt-BR"/>
               <a:t>Segundo nível</a:t>
             </a:r>
           </a:p>
           <a:p>
             <a:pPr lvl="2"/>
             <a:r>
-              <a:rPr lang="pt-BR" smtClean="0"/>
+              <a:rPr lang="pt-BR"/>
               <a:t>Terceiro nível</a:t>
             </a:r>
           </a:p>
           <a:p>
             <a:pPr lvl="3"/>
             <a:r>
-              <a:rPr lang="pt-BR" smtClean="0"/>
+              <a:rPr lang="pt-BR"/>
               <a:t>Quarto nível</a:t>
             </a:r>
           </a:p>
           <a:p>
             <a:pPr lvl="4"/>
             <a:r>
-              <a:rPr lang="pt-BR" smtClean="0"/>
+              <a:rPr lang="pt-BR"/>
               <a:t>Quinto nível</a:t>
             </a:r>
-            <a:endParaRPr lang="pt-BR"/>
           </a:p>
         </p:txBody>
       </p:sp>
@@ -772,7 +767,7 @@
           <a:p>
             <a:fld id="{2A9345D6-A325-4422-ADAB-57FCDBE2EBED}" type="datetimeFigureOut">
               <a:rPr lang="pt-BR" smtClean="0"/>
-              <a:t>20/01/2018</a:t>
+              <a:t>21/01/2018</a:t>
             </a:fld>
             <a:endParaRPr lang="pt-BR"/>
           </a:p>
@@ -875,10 +870,9 @@
           </a:lstStyle>
           <a:p>
             <a:r>
-              <a:rPr lang="pt-BR" smtClean="0"/>
+              <a:rPr lang="pt-BR"/>
               <a:t>Clique para editar o título mestre</a:t>
             </a:r>
-            <a:endParaRPr lang="pt-BR"/>
           </a:p>
         </p:txBody>
       </p:sp>
@@ -995,7 +989,7 @@
           <a:p>
             <a:pPr lvl="0"/>
             <a:r>
-              <a:rPr lang="pt-BR" smtClean="0"/>
+              <a:rPr lang="pt-BR"/>
               <a:t>Clique para editar o texto mestre</a:t>
             </a:r>
           </a:p>
@@ -1018,7 +1012,7 @@
           <a:p>
             <a:fld id="{2A9345D6-A325-4422-ADAB-57FCDBE2EBED}" type="datetimeFigureOut">
               <a:rPr lang="pt-BR" smtClean="0"/>
-              <a:t>20/01/2018</a:t>
+              <a:t>21/01/2018</a:t>
             </a:fld>
             <a:endParaRPr lang="pt-BR"/>
           </a:p>
@@ -1112,10 +1106,9 @@
           <a:lstStyle/>
           <a:p>
             <a:r>
-              <a:rPr lang="pt-BR" smtClean="0"/>
+              <a:rPr lang="pt-BR"/>
               <a:t>Clique para editar o título mestre</a:t>
             </a:r>
-            <a:endParaRPr lang="pt-BR"/>
           </a:p>
         </p:txBody>
       </p:sp>
@@ -1141,38 +1134,37 @@
           <a:p>
             <a:pPr lvl="0"/>
             <a:r>
-              <a:rPr lang="pt-BR" smtClean="0"/>
+              <a:rPr lang="pt-BR"/>
               <a:t>Clique para editar o texto mestre</a:t>
             </a:r>
           </a:p>
           <a:p>
             <a:pPr lvl="1"/>
             <a:r>
-              <a:rPr lang="pt-BR" smtClean="0"/>
+              <a:rPr lang="pt-BR"/>
               <a:t>Segundo nível</a:t>
             </a:r>
           </a:p>
           <a:p>
             <a:pPr lvl="2"/>
             <a:r>
-              <a:rPr lang="pt-BR" smtClean="0"/>
+              <a:rPr lang="pt-BR"/>
               <a:t>Terceiro nível</a:t>
             </a:r>
           </a:p>
           <a:p>
             <a:pPr lvl="3"/>
             <a:r>
-              <a:rPr lang="pt-BR" smtClean="0"/>
+              <a:rPr lang="pt-BR"/>
               <a:t>Quarto nível</a:t>
             </a:r>
           </a:p>
           <a:p>
             <a:pPr lvl="4"/>
             <a:r>
-              <a:rPr lang="pt-BR" smtClean="0"/>
+              <a:rPr lang="pt-BR"/>
               <a:t>Quinto nível</a:t>
             </a:r>
-            <a:endParaRPr lang="pt-BR"/>
           </a:p>
         </p:txBody>
       </p:sp>
@@ -1198,38 +1190,37 @@
           <a:p>
             <a:pPr lvl="0"/>
             <a:r>
-              <a:rPr lang="pt-BR" smtClean="0"/>
+              <a:rPr lang="pt-BR"/>
               <a:t>Clique para editar o texto mestre</a:t>
             </a:r>
           </a:p>
           <a:p>
             <a:pPr lvl="1"/>
             <a:r>
-              <a:rPr lang="pt-BR" smtClean="0"/>
+              <a:rPr lang="pt-BR"/>
               <a:t>Segundo nível</a:t>
             </a:r>
           </a:p>
           <a:p>
             <a:pPr lvl="2"/>
             <a:r>
-              <a:rPr lang="pt-BR" smtClean="0"/>
+              <a:rPr lang="pt-BR"/>
               <a:t>Terceiro nível</a:t>
             </a:r>
           </a:p>
           <a:p>
             <a:pPr lvl="3"/>
             <a:r>
-              <a:rPr lang="pt-BR" smtClean="0"/>
+              <a:rPr lang="pt-BR"/>
               <a:t>Quarto nível</a:t>
             </a:r>
           </a:p>
           <a:p>
             <a:pPr lvl="4"/>
             <a:r>
-              <a:rPr lang="pt-BR" smtClean="0"/>
+              <a:rPr lang="pt-BR"/>
               <a:t>Quinto nível</a:t>
             </a:r>
-            <a:endParaRPr lang="pt-BR"/>
           </a:p>
         </p:txBody>
       </p:sp>
@@ -1250,7 +1241,7 @@
           <a:p>
             <a:fld id="{2A9345D6-A325-4422-ADAB-57FCDBE2EBED}" type="datetimeFigureOut">
               <a:rPr lang="pt-BR" smtClean="0"/>
-              <a:t>20/01/2018</a:t>
+              <a:t>21/01/2018</a:t>
             </a:fld>
             <a:endParaRPr lang="pt-BR"/>
           </a:p>
@@ -1349,10 +1340,9 @@
           <a:lstStyle/>
           <a:p>
             <a:r>
-              <a:rPr lang="pt-BR" smtClean="0"/>
+              <a:rPr lang="pt-BR"/>
               <a:t>Clique para editar o título mestre</a:t>
             </a:r>
-            <a:endParaRPr lang="pt-BR"/>
           </a:p>
         </p:txBody>
       </p:sp>
@@ -1415,7 +1405,7 @@
           <a:p>
             <a:pPr lvl="0"/>
             <a:r>
-              <a:rPr lang="pt-BR" smtClean="0"/>
+              <a:rPr lang="pt-BR"/>
               <a:t>Clique para editar o texto mestre</a:t>
             </a:r>
           </a:p>
@@ -1443,38 +1433,37 @@
           <a:p>
             <a:pPr lvl="0"/>
             <a:r>
-              <a:rPr lang="pt-BR" smtClean="0"/>
+              <a:rPr lang="pt-BR"/>
               <a:t>Clique para editar o texto mestre</a:t>
             </a:r>
           </a:p>
           <a:p>
             <a:pPr lvl="1"/>
             <a:r>
-              <a:rPr lang="pt-BR" smtClean="0"/>
+              <a:rPr lang="pt-BR"/>
               <a:t>Segundo nível</a:t>
             </a:r>
           </a:p>
           <a:p>
             <a:pPr lvl="2"/>
             <a:r>
-              <a:rPr lang="pt-BR" smtClean="0"/>
+              <a:rPr lang="pt-BR"/>
               <a:t>Terceiro nível</a:t>
             </a:r>
           </a:p>
           <a:p>
             <a:pPr lvl="3"/>
             <a:r>
-              <a:rPr lang="pt-BR" smtClean="0"/>
+              <a:rPr lang="pt-BR"/>
               <a:t>Quarto nível</a:t>
             </a:r>
           </a:p>
           <a:p>
             <a:pPr lvl="4"/>
             <a:r>
-              <a:rPr lang="pt-BR" smtClean="0"/>
+              <a:rPr lang="pt-BR"/>
               <a:t>Quinto nível</a:t>
             </a:r>
-            <a:endParaRPr lang="pt-BR"/>
           </a:p>
         </p:txBody>
       </p:sp>
@@ -1537,7 +1526,7 @@
           <a:p>
             <a:pPr lvl="0"/>
             <a:r>
-              <a:rPr lang="pt-BR" smtClean="0"/>
+              <a:rPr lang="pt-BR"/>
               <a:t>Clique para editar o texto mestre</a:t>
             </a:r>
           </a:p>
@@ -1565,38 +1554,37 @@
           <a:p>
             <a:pPr lvl="0"/>
             <a:r>
-              <a:rPr lang="pt-BR" smtClean="0"/>
+              <a:rPr lang="pt-BR"/>
               <a:t>Clique para editar o texto mestre</a:t>
             </a:r>
           </a:p>
           <a:p>
             <a:pPr lvl="1"/>
             <a:r>
-              <a:rPr lang="pt-BR" smtClean="0"/>
+              <a:rPr lang="pt-BR"/>
               <a:t>Segundo nível</a:t>
             </a:r>
           </a:p>
           <a:p>
             <a:pPr lvl="2"/>
             <a:r>
-              <a:rPr lang="pt-BR" smtClean="0"/>
+              <a:rPr lang="pt-BR"/>
               <a:t>Terceiro nível</a:t>
             </a:r>
           </a:p>
           <a:p>
             <a:pPr lvl="3"/>
             <a:r>
-              <a:rPr lang="pt-BR" smtClean="0"/>
+              <a:rPr lang="pt-BR"/>
               <a:t>Quarto nível</a:t>
             </a:r>
           </a:p>
           <a:p>
             <a:pPr lvl="4"/>
             <a:r>
-              <a:rPr lang="pt-BR" smtClean="0"/>
+              <a:rPr lang="pt-BR"/>
               <a:t>Quinto nível</a:t>
             </a:r>
-            <a:endParaRPr lang="pt-BR"/>
           </a:p>
         </p:txBody>
       </p:sp>
@@ -1617,7 +1605,7 @@
           <a:p>
             <a:fld id="{2A9345D6-A325-4422-ADAB-57FCDBE2EBED}" type="datetimeFigureOut">
               <a:rPr lang="pt-BR" smtClean="0"/>
-              <a:t>20/01/2018</a:t>
+              <a:t>21/01/2018</a:t>
             </a:fld>
             <a:endParaRPr lang="pt-BR"/>
           </a:p>
@@ -1711,10 +1699,9 @@
           <a:lstStyle/>
           <a:p>
             <a:r>
-              <a:rPr lang="pt-BR" smtClean="0"/>
+              <a:rPr lang="pt-BR"/>
               <a:t>Clique para editar o título mestre</a:t>
             </a:r>
-            <a:endParaRPr lang="pt-BR"/>
           </a:p>
         </p:txBody>
       </p:sp>
@@ -1735,7 +1722,7 @@
           <a:p>
             <a:fld id="{2A9345D6-A325-4422-ADAB-57FCDBE2EBED}" type="datetimeFigureOut">
               <a:rPr lang="pt-BR" smtClean="0"/>
-              <a:t>20/01/2018</a:t>
+              <a:t>21/01/2018</a:t>
             </a:fld>
             <a:endParaRPr lang="pt-BR"/>
           </a:p>
@@ -1830,7 +1817,7 @@
           <a:p>
             <a:fld id="{2A9345D6-A325-4422-ADAB-57FCDBE2EBED}" type="datetimeFigureOut">
               <a:rPr lang="pt-BR" smtClean="0"/>
-              <a:t>20/01/2018</a:t>
+              <a:t>21/01/2018</a:t>
             </a:fld>
             <a:endParaRPr lang="pt-BR"/>
           </a:p>
@@ -1933,10 +1920,9 @@
           </a:lstStyle>
           <a:p>
             <a:r>
-              <a:rPr lang="pt-BR" smtClean="0"/>
+              <a:rPr lang="pt-BR"/>
               <a:t>Clique para editar o título mestre</a:t>
             </a:r>
-            <a:endParaRPr lang="pt-BR"/>
           </a:p>
         </p:txBody>
       </p:sp>
@@ -1990,38 +1976,37 @@
           <a:p>
             <a:pPr lvl="0"/>
             <a:r>
-              <a:rPr lang="pt-BR" smtClean="0"/>
+              <a:rPr lang="pt-BR"/>
               <a:t>Clique para editar o texto mestre</a:t>
             </a:r>
           </a:p>
           <a:p>
             <a:pPr lvl="1"/>
             <a:r>
-              <a:rPr lang="pt-BR" smtClean="0"/>
+              <a:rPr lang="pt-BR"/>
               <a:t>Segundo nível</a:t>
             </a:r>
           </a:p>
           <a:p>
             <a:pPr lvl="2"/>
             <a:r>
-              <a:rPr lang="pt-BR" smtClean="0"/>
+              <a:rPr lang="pt-BR"/>
               <a:t>Terceiro nível</a:t>
             </a:r>
           </a:p>
           <a:p>
             <a:pPr lvl="3"/>
             <a:r>
-              <a:rPr lang="pt-BR" smtClean="0"/>
+              <a:rPr lang="pt-BR"/>
               <a:t>Quarto nível</a:t>
             </a:r>
           </a:p>
           <a:p>
             <a:pPr lvl="4"/>
             <a:r>
-              <a:rPr lang="pt-BR" smtClean="0"/>
+              <a:rPr lang="pt-BR"/>
               <a:t>Quinto nível</a:t>
             </a:r>
-            <a:endParaRPr lang="pt-BR"/>
           </a:p>
         </p:txBody>
       </p:sp>
@@ -2084,7 +2069,7 @@
           <a:p>
             <a:pPr lvl="0"/>
             <a:r>
-              <a:rPr lang="pt-BR" smtClean="0"/>
+              <a:rPr lang="pt-BR"/>
               <a:t>Clique para editar o texto mestre</a:t>
             </a:r>
           </a:p>
@@ -2107,7 +2092,7 @@
           <a:p>
             <a:fld id="{2A9345D6-A325-4422-ADAB-57FCDBE2EBED}" type="datetimeFigureOut">
               <a:rPr lang="pt-BR" smtClean="0"/>
-              <a:t>20/01/2018</a:t>
+              <a:t>21/01/2018</a:t>
             </a:fld>
             <a:endParaRPr lang="pt-BR"/>
           </a:p>
@@ -2210,10 +2195,9 @@
           </a:lstStyle>
           <a:p>
             <a:r>
-              <a:rPr lang="pt-BR" smtClean="0"/>
+              <a:rPr lang="pt-BR"/>
               <a:t>Clique para editar o título mestre</a:t>
             </a:r>
-            <a:endParaRPr lang="pt-BR"/>
           </a:p>
         </p:txBody>
       </p:sp>
@@ -2337,7 +2321,7 @@
           <a:p>
             <a:pPr lvl="0"/>
             <a:r>
-              <a:rPr lang="pt-BR" smtClean="0"/>
+              <a:rPr lang="pt-BR"/>
               <a:t>Clique para editar o texto mestre</a:t>
             </a:r>
           </a:p>
@@ -2360,7 +2344,7 @@
           <a:p>
             <a:fld id="{2A9345D6-A325-4422-ADAB-57FCDBE2EBED}" type="datetimeFigureOut">
               <a:rPr lang="pt-BR" smtClean="0"/>
-              <a:t>20/01/2018</a:t>
+              <a:t>21/01/2018</a:t>
             </a:fld>
             <a:endParaRPr lang="pt-BR"/>
           </a:p>
@@ -2469,10 +2453,9 @@
           <a:lstStyle/>
           <a:p>
             <a:r>
-              <a:rPr lang="pt-BR" smtClean="0"/>
+              <a:rPr lang="pt-BR"/>
               <a:t>Clique para editar o título mestre</a:t>
             </a:r>
-            <a:endParaRPr lang="pt-BR"/>
           </a:p>
         </p:txBody>
       </p:sp>
@@ -2503,38 +2486,37 @@
           <a:p>
             <a:pPr lvl="0"/>
             <a:r>
-              <a:rPr lang="pt-BR" smtClean="0"/>
+              <a:rPr lang="pt-BR"/>
               <a:t>Clique para editar o texto mestre</a:t>
             </a:r>
           </a:p>
           <a:p>
             <a:pPr lvl="1"/>
             <a:r>
-              <a:rPr lang="pt-BR" smtClean="0"/>
+              <a:rPr lang="pt-BR"/>
               <a:t>Segundo nível</a:t>
             </a:r>
           </a:p>
           <a:p>
             <a:pPr lvl="2"/>
             <a:r>
-              <a:rPr lang="pt-BR" smtClean="0"/>
+              <a:rPr lang="pt-BR"/>
               <a:t>Terceiro nível</a:t>
             </a:r>
           </a:p>
           <a:p>
             <a:pPr lvl="3"/>
             <a:r>
-              <a:rPr lang="pt-BR" smtClean="0"/>
+              <a:rPr lang="pt-BR"/>
               <a:t>Quarto nível</a:t>
             </a:r>
           </a:p>
           <a:p>
             <a:pPr lvl="4"/>
             <a:r>
-              <a:rPr lang="pt-BR" smtClean="0"/>
+              <a:rPr lang="pt-BR"/>
               <a:t>Quinto nível</a:t>
             </a:r>
-            <a:endParaRPr lang="pt-BR"/>
           </a:p>
         </p:txBody>
       </p:sp>
@@ -2573,7 +2555,7 @@
           <a:p>
             <a:fld id="{2A9345D6-A325-4422-ADAB-57FCDBE2EBED}" type="datetimeFigureOut">
               <a:rPr lang="pt-BR" smtClean="0"/>
-              <a:t>20/01/2018</a:t>
+              <a:t>21/01/2018</a:t>
             </a:fld>
             <a:endParaRPr lang="pt-BR"/>
           </a:p>
@@ -3002,64 +2984,6 @@
   <p:clrMapOvr>
     <a:masterClrMapping/>
   </p:clrMapOvr>
-  <p:timing>
-    <p:tnLst>
-      <p:par>
-        <p:cTn id="1" dur="indefinite" restart="never" nodeType="tmRoot"/>
-      </p:par>
-    </p:tnLst>
-  </p:timing>
-</p:sld>
-</file>
-
-<file path=ppt/slides/slide10.xml><?xml version="1.0" encoding="utf-8"?>
-<p:sld xmlns:a="http://schemas.openxmlformats.org/drawingml/2006/main" xmlns:r="http://schemas.openxmlformats.org/officeDocument/2006/relationships" xmlns:p="http://schemas.openxmlformats.org/presentationml/2006/main">
-  <p:cSld>
-    <p:bg>
-      <p:bgPr>
-        <a:blipFill dpi="0" rotWithShape="1">
-          <a:blip r:embed="rId2">
-            <a:lum/>
-          </a:blip>
-          <a:srcRect/>
-          <a:stretch>
-            <a:fillRect/>
-          </a:stretch>
-        </a:blipFill>
-        <a:effectLst/>
-      </p:bgPr>
-    </p:bg>
-    <p:spTree>
-      <p:nvGrpSpPr>
-        <p:cNvPr id="1" name=""/>
-        <p:cNvGrpSpPr/>
-        <p:nvPr/>
-      </p:nvGrpSpPr>
-      <p:grpSpPr>
-        <a:xfrm>
-          <a:off x="0" y="0"/>
-          <a:ext cx="0" cy="0"/>
-          <a:chOff x="0" y="0"/>
-          <a:chExt cx="0" cy="0"/>
-        </a:xfrm>
-      </p:grpSpPr>
-    </p:spTree>
-    <p:extLst>
-      <p:ext uri="{BB962C8B-B14F-4D97-AF65-F5344CB8AC3E}">
-        <p14:creationId xmlns:p14="http://schemas.microsoft.com/office/powerpoint/2010/main" val="2450043798"/>
-      </p:ext>
-    </p:extLst>
-  </p:cSld>
-  <p:clrMapOvr>
-    <a:masterClrMapping/>
-  </p:clrMapOvr>
-  <p:timing>
-    <p:tnLst>
-      <p:par>
-        <p:cTn id="1" dur="indefinite" restart="never" nodeType="tmRoot"/>
-      </p:par>
-    </p:tnLst>
-  </p:timing>
 </p:sld>
 </file>
 
@@ -3111,10 +3035,13 @@
                 <a:latin typeface="Arial" panose="020B0604020202020204" pitchFamily="34" charset="0"/>
                 <a:cs typeface="Arial" panose="020B0604020202020204" pitchFamily="34" charset="0"/>
               </a:rPr>
-              <a:t>Tickets de </a:t>
-            </a:r>
-            <a:r>
-              <a:rPr lang="pt-BR" dirty="0" smtClean="0">
+              <a:t>Tickets de simples resolução travando a fila;</a:t>
+            </a:r>
+          </a:p>
+          <a:p>
+            <a:pPr marL="285750" indent="-285750"/>
+            <a:r>
+              <a:rPr lang="pt-BR" dirty="0">
                 <a:solidFill>
                   <a:schemeClr val="accent1">
                     <a:lumMod val="50000"/>
@@ -3123,8 +3050,11 @@
                 <a:latin typeface="Arial" panose="020B0604020202020204" pitchFamily="34" charset="0"/>
                 <a:cs typeface="Arial" panose="020B0604020202020204" pitchFamily="34" charset="0"/>
               </a:rPr>
-              <a:t>simples resolução </a:t>
-            </a:r>
+              <a:t>Demora no processo de atendimento ao cliente;</a:t>
+            </a:r>
+          </a:p>
+          <a:p>
+            <a:pPr marL="285750" indent="-285750"/>
             <a:r>
               <a:rPr lang="pt-BR" dirty="0">
                 <a:solidFill>
@@ -3135,104 +3065,8 @@
                 <a:latin typeface="Arial" panose="020B0604020202020204" pitchFamily="34" charset="0"/>
                 <a:cs typeface="Arial" panose="020B0604020202020204" pitchFamily="34" charset="0"/>
               </a:rPr>
-              <a:t>travando a fila;</a:t>
-            </a:r>
-          </a:p>
-          <a:p>
-            <a:pPr marL="285750" indent="-285750"/>
-            <a:r>
-              <a:rPr lang="pt-BR" dirty="0">
-                <a:solidFill>
-                  <a:schemeClr val="accent1">
-                    <a:lumMod val="50000"/>
-                  </a:schemeClr>
-                </a:solidFill>
-                <a:latin typeface="Arial" panose="020B0604020202020204" pitchFamily="34" charset="0"/>
-                <a:cs typeface="Arial" panose="020B0604020202020204" pitchFamily="34" charset="0"/>
-              </a:rPr>
-              <a:t>D</a:t>
-            </a:r>
-            <a:r>
-              <a:rPr lang="pt-BR" dirty="0" smtClean="0">
-                <a:solidFill>
-                  <a:schemeClr val="accent1">
-                    <a:lumMod val="50000"/>
-                  </a:schemeClr>
-                </a:solidFill>
-                <a:latin typeface="Arial" panose="020B0604020202020204" pitchFamily="34" charset="0"/>
-                <a:cs typeface="Arial" panose="020B0604020202020204" pitchFamily="34" charset="0"/>
-              </a:rPr>
-              <a:t>emora </a:t>
-            </a:r>
-            <a:r>
-              <a:rPr lang="pt-BR" dirty="0">
-                <a:solidFill>
-                  <a:schemeClr val="accent1">
-                    <a:lumMod val="50000"/>
-                  </a:schemeClr>
-                </a:solidFill>
-                <a:latin typeface="Arial" panose="020B0604020202020204" pitchFamily="34" charset="0"/>
-                <a:cs typeface="Arial" panose="020B0604020202020204" pitchFamily="34" charset="0"/>
-              </a:rPr>
-              <a:t>no processo de </a:t>
-            </a:r>
-            <a:r>
-              <a:rPr lang="pt-BR" dirty="0" smtClean="0">
-                <a:solidFill>
-                  <a:schemeClr val="accent1">
-                    <a:lumMod val="50000"/>
-                  </a:schemeClr>
-                </a:solidFill>
-                <a:latin typeface="Arial" panose="020B0604020202020204" pitchFamily="34" charset="0"/>
-                <a:cs typeface="Arial" panose="020B0604020202020204" pitchFamily="34" charset="0"/>
-              </a:rPr>
-              <a:t>atendimento ao cliente;</a:t>
-            </a:r>
-            <a:endParaRPr lang="pt-BR" dirty="0">
-              <a:solidFill>
-                <a:schemeClr val="accent1">
-                  <a:lumMod val="50000"/>
-                </a:schemeClr>
-              </a:solidFill>
-              <a:latin typeface="Arial" panose="020B0604020202020204" pitchFamily="34" charset="0"/>
-              <a:cs typeface="Arial" panose="020B0604020202020204" pitchFamily="34" charset="0"/>
-            </a:endParaRPr>
-          </a:p>
-          <a:p>
-            <a:pPr marL="285750" indent="-285750"/>
-            <a:r>
-              <a:rPr lang="pt-BR" dirty="0">
-                <a:solidFill>
-                  <a:schemeClr val="accent1">
-                    <a:lumMod val="50000"/>
-                  </a:schemeClr>
-                </a:solidFill>
-                <a:latin typeface="Arial" panose="020B0604020202020204" pitchFamily="34" charset="0"/>
-                <a:cs typeface="Arial" panose="020B0604020202020204" pitchFamily="34" charset="0"/>
-              </a:rPr>
-              <a:t>Alto </a:t>
-            </a:r>
-            <a:r>
-              <a:rPr lang="pt-BR" dirty="0" smtClean="0">
-                <a:solidFill>
-                  <a:schemeClr val="accent1">
-                    <a:lumMod val="50000"/>
-                  </a:schemeClr>
-                </a:solidFill>
-                <a:latin typeface="Arial" panose="020B0604020202020204" pitchFamily="34" charset="0"/>
-                <a:cs typeface="Arial" panose="020B0604020202020204" pitchFamily="34" charset="0"/>
-              </a:rPr>
-              <a:t>custo operacional.</a:t>
-            </a:r>
-            <a:endParaRPr lang="pt-BR" dirty="0">
-              <a:solidFill>
-                <a:schemeClr val="accent1">
-                  <a:lumMod val="50000"/>
-                </a:schemeClr>
-              </a:solidFill>
-              <a:latin typeface="Arial" panose="020B0604020202020204" pitchFamily="34" charset="0"/>
-              <a:cs typeface="Arial" panose="020B0604020202020204" pitchFamily="34" charset="0"/>
-            </a:endParaRPr>
+              <a:t>Alto custo operacional.</a:t>
+            </a:r>
           </a:p>
           <a:p>
             <a:endParaRPr lang="pt-BR" dirty="0">
@@ -3298,7 +3132,7 @@
           <a:lstStyle/>
           <a:p>
             <a:r>
-              <a:rPr lang="pt-BR" sz="4400" b="1" dirty="0" smtClean="0">
+              <a:rPr lang="pt-BR" sz="4400" b="1" dirty="0">
                 <a:ln w="0"/>
                 <a:solidFill>
                   <a:schemeClr val="accent1"/>
@@ -3308,7 +3142,7 @@
               <a:t>[</a:t>
             </a:r>
             <a:r>
-              <a:rPr lang="pt-BR" sz="4400" b="1" dirty="0" err="1" smtClean="0">
+              <a:rPr lang="pt-BR" sz="4400" b="1" dirty="0" err="1">
                 <a:ln w="0"/>
                 <a:solidFill>
                   <a:schemeClr val="accent1"/>
@@ -3318,7 +3152,7 @@
               <a:t>Sistemas_chamados_atual</a:t>
             </a:r>
             <a:r>
-              <a:rPr lang="pt-BR" sz="4400" b="1" dirty="0" smtClean="0">
+              <a:rPr lang="pt-BR" sz="4400" b="1" dirty="0">
                 <a:ln w="0"/>
                 <a:solidFill>
                   <a:schemeClr val="accent1"/>
@@ -3327,13 +3161,6 @@
               </a:rPr>
               <a:t>]</a:t>
             </a:r>
-            <a:endParaRPr lang="pt-BR" sz="4400" b="1" dirty="0">
-              <a:ln w="0"/>
-              <a:solidFill>
-                <a:schemeClr val="accent1"/>
-              </a:solidFill>
-              <a:latin typeface="Lucida Console" panose="020B0609040504020204" pitchFamily="49" charset="0"/>
-            </a:endParaRPr>
           </a:p>
         </p:txBody>
       </p:sp>
@@ -3383,14 +3210,76 @@
       </p:grpSpPr>
       <p:sp>
         <p:nvSpPr>
-          <p:cNvPr id="9" name="Retângulo 8"/>
+          <p:cNvPr id="44" name="Fluxograma: Disco magnético 43"/>
           <p:cNvSpPr/>
           <p:nvPr/>
         </p:nvSpPr>
         <p:spPr>
           <a:xfrm>
-            <a:off x="2759242" y="4662292"/>
-            <a:ext cx="4097025" cy="1167978"/>
+            <a:off x="9460972" y="1978124"/>
+            <a:ext cx="1780673" cy="1811941"/>
+          </a:xfrm>
+          <a:prstGeom prst="flowChartMagneticDisk">
+            <a:avLst/>
+          </a:prstGeom>
+          <a:solidFill>
+            <a:schemeClr val="accent1">
+              <a:lumMod val="60000"/>
+              <a:lumOff val="40000"/>
+            </a:schemeClr>
+          </a:solidFill>
+        </p:spPr>
+        <p:style>
+          <a:lnRef idx="2">
+            <a:schemeClr val="accent3">
+              <a:shade val="50000"/>
+            </a:schemeClr>
+          </a:lnRef>
+          <a:fillRef idx="1">
+            <a:schemeClr val="accent3"/>
+          </a:fillRef>
+          <a:effectRef idx="0">
+            <a:schemeClr val="accent3"/>
+          </a:effectRef>
+          <a:fontRef idx="minor">
+            <a:schemeClr val="lt1"/>
+          </a:fontRef>
+        </p:style>
+        <p:txBody>
+          <a:bodyPr rtlCol="0" anchor="ctr"/>
+          <a:lstStyle/>
+          <a:p>
+            <a:pPr algn="ctr"/>
+            <a:r>
+              <a:rPr lang="pt-BR" dirty="0">
+                <a:ln w="0"/>
+                <a:solidFill>
+                  <a:schemeClr val="tx1"/>
+                </a:solidFill>
+                <a:effectLst>
+                  <a:outerShdw blurRad="38100" dist="19050" dir="2700000" algn="tl" rotWithShape="0">
+                    <a:schemeClr val="dk1">
+                      <a:alpha val="40000"/>
+                    </a:schemeClr>
+                  </a:outerShdw>
+                </a:effectLst>
+              </a:rPr>
+              <a:t>DB</a:t>
+            </a:r>
+            <a:endParaRPr lang="pt-BR" dirty="0"/>
+          </a:p>
+        </p:txBody>
+      </p:sp>
+      <p:sp>
+        <p:nvSpPr>
+          <p:cNvPr id="54" name="Retângulo 53"/>
+          <p:cNvSpPr/>
+          <p:nvPr/>
+        </p:nvSpPr>
+        <p:spPr>
+          <a:xfrm>
+            <a:off x="4440232" y="1509630"/>
+            <a:ext cx="4509714" cy="2757568"/>
           </a:xfrm>
           <a:prstGeom prst="rect">
             <a:avLst/>
@@ -3440,100 +3329,43 @@
                   </a:outerShdw>
                 </a:effectLst>
               </a:rPr>
-              <a:t>Aplicativo</a:t>
-            </a:r>
-          </a:p>
-          <a:p>
-            <a:pPr algn="ctr"/>
-            <a:r>
-              <a:rPr lang="pt-BR" dirty="0">
-                <a:ln w="0"/>
-                <a:solidFill>
-                  <a:schemeClr val="tx1"/>
-                </a:solidFill>
-                <a:effectLst>
-                  <a:outerShdw blurRad="38100" dist="19050" dir="2700000" algn="tl" rotWithShape="0">
-                    <a:schemeClr val="dk1">
-                      <a:alpha val="40000"/>
-                    </a:schemeClr>
-                  </a:outerShdw>
-                </a:effectLst>
-              </a:rPr>
-              <a:t> Mobile</a:t>
-            </a:r>
-          </a:p>
-        </p:txBody>
-      </p:sp>
-      <p:cxnSp>
-        <p:nvCxnSpPr>
-          <p:cNvPr id="12" name="Conector de seta reta 11"/>
-          <p:cNvCxnSpPr>
-            <a:stCxn id="1029" idx="2"/>
-            <a:endCxn id="9" idx="0"/>
-          </p:cNvCxnSpPr>
+              <a:t>IA</a:t>
+            </a:r>
+          </a:p>
+        </p:txBody>
+      </p:sp>
+      <p:sp>
+        <p:nvSpPr>
+          <p:cNvPr id="1029" name="Retângulo 1028"/>
+          <p:cNvSpPr/>
           <p:nvPr/>
-        </p:nvCxnSpPr>
+        </p:nvSpPr>
         <p:spPr>
-          <a:xfrm flipH="1">
-            <a:off x="4807755" y="4251157"/>
-            <a:ext cx="2359296" cy="411135"/>
+          <a:xfrm>
+            <a:off x="2759243" y="1347536"/>
+            <a:ext cx="8815616" cy="3048000"/>
           </a:xfrm>
-          <a:prstGeom prst="straightConnector1">
+          <a:prstGeom prst="rect">
             <a:avLst/>
           </a:prstGeom>
+          <a:noFill/>
           <a:ln>
-            <a:tailEnd type="triangle"/>
+            <a:prstDash val="dash"/>
           </a:ln>
         </p:spPr>
         <p:style>
-          <a:lnRef idx="1">
-            <a:schemeClr val="accent1"/>
+          <a:lnRef idx="2">
+            <a:schemeClr val="accent1">
+              <a:shade val="50000"/>
+            </a:schemeClr>
           </a:lnRef>
-          <a:fillRef idx="0">
+          <a:fillRef idx="1">
             <a:schemeClr val="accent1"/>
           </a:fillRef>
           <a:effectRef idx="0">
             <a:schemeClr val="accent1"/>
           </a:effectRef>
           <a:fontRef idx="minor">
-            <a:schemeClr val="tx1"/>
-          </a:fontRef>
-        </p:style>
-      </p:cxnSp>
-      <p:sp>
-        <p:nvSpPr>
-          <p:cNvPr id="44" name="Fluxograma: Disco magnético 43"/>
-          <p:cNvSpPr/>
-          <p:nvPr/>
-        </p:nvSpPr>
-        <p:spPr>
-          <a:xfrm>
-            <a:off x="9420869" y="1757831"/>
-            <a:ext cx="1780673" cy="1811941"/>
-          </a:xfrm>
-          <a:prstGeom prst="flowChartMagneticDisk">
-            <a:avLst/>
-          </a:prstGeom>
-          <a:solidFill>
-            <a:schemeClr val="accent1">
-              <a:lumMod val="60000"/>
-              <a:lumOff val="40000"/>
-            </a:schemeClr>
-          </a:solidFill>
-        </p:spPr>
-        <p:style>
-          <a:lnRef idx="2">
-            <a:schemeClr val="accent3">
-              <a:shade val="50000"/>
-            </a:schemeClr>
-          </a:lnRef>
-          <a:fillRef idx="1">
-            <a:schemeClr val="accent3"/>
-          </a:fillRef>
-          <a:effectRef idx="0">
-            <a:schemeClr val="accent3"/>
-          </a:effectRef>
-          <a:fontRef idx="minor">
             <a:schemeClr val="lt1"/>
           </a:fontRef>
         </p:style>
@@ -3542,36 +3374,49 @@
           <a:lstStyle/>
           <a:p>
             <a:pPr algn="ctr"/>
-            <a:r>
-              <a:rPr lang="pt-BR" dirty="0" smtClean="0">
-                <a:ln w="0"/>
-                <a:solidFill>
-                  <a:schemeClr val="tx1"/>
-                </a:solidFill>
-                <a:effectLst>
-                  <a:outerShdw blurRad="38100" dist="19050" dir="2700000" algn="tl" rotWithShape="0">
-                    <a:schemeClr val="dk1">
-                      <a:alpha val="40000"/>
-                    </a:schemeClr>
-                  </a:outerShdw>
-                </a:effectLst>
-              </a:rPr>
-              <a:t>DB</a:t>
-            </a:r>
-            <a:endParaRPr lang="pt-BR" dirty="0"/>
-          </a:p>
-        </p:txBody>
-      </p:sp>
-      <p:sp>
-        <p:nvSpPr>
-          <p:cNvPr id="54" name="Retângulo 53"/>
+            <a:endParaRPr lang="pt-BR"/>
+          </a:p>
+        </p:txBody>
+      </p:sp>
+      <p:sp>
+        <p:nvSpPr>
+          <p:cNvPr id="1031" name="CaixaDeTexto 1030"/>
+          <p:cNvSpPr txBox="1"/>
+          <p:nvPr/>
+        </p:nvSpPr>
+        <p:spPr>
+          <a:xfrm>
+            <a:off x="10698100" y="1384638"/>
+            <a:ext cx="870238" cy="373025"/>
+          </a:xfrm>
+          <a:prstGeom prst="rect">
+            <a:avLst/>
+          </a:prstGeom>
+          <a:noFill/>
+        </p:spPr>
+        <p:txBody>
+          <a:bodyPr wrap="none" rtlCol="0">
+            <a:spAutoFit/>
+          </a:bodyPr>
+          <a:lstStyle/>
+          <a:p>
+            <a:r>
+              <a:rPr lang="pt-BR" b="1" dirty="0"/>
+              <a:t>Nuvem</a:t>
+            </a:r>
+          </a:p>
+        </p:txBody>
+      </p:sp>
+      <p:sp>
+        <p:nvSpPr>
+          <p:cNvPr id="79" name="Retângulo 78"/>
           <p:cNvSpPr/>
           <p:nvPr/>
         </p:nvSpPr>
         <p:spPr>
           <a:xfrm>
-            <a:off x="4233232" y="1509630"/>
-            <a:ext cx="4509714" cy="2308345"/>
+            <a:off x="549575" y="1347537"/>
+            <a:ext cx="1561848" cy="3048000"/>
           </a:xfrm>
           <a:prstGeom prst="rect">
             <a:avLst/>
@@ -3608,7 +3453,7 @@
           <a:p>
             <a:pPr algn="ctr"/>
             <a:r>
-              <a:rPr lang="pt-BR" dirty="0" smtClean="0">
+              <a:rPr lang="pt-BR" sz="3200" dirty="0">
                 <a:ln w="0"/>
                 <a:solidFill>
                   <a:schemeClr val="tx1"/>
@@ -3621,95 +3466,163 @@
                   </a:outerShdw>
                 </a:effectLst>
               </a:rPr>
-              <a:t>IA</a:t>
-            </a:r>
-          </a:p>
-        </p:txBody>
-      </p:sp>
-      <p:sp>
-        <p:nvSpPr>
-          <p:cNvPr id="1029" name="Retângulo 1028"/>
-          <p:cNvSpPr/>
+              <a:t>Usuário</a:t>
+            </a:r>
+          </a:p>
+          <a:p>
+            <a:pPr algn="ctr"/>
+            <a:endParaRPr lang="pt-BR" sz="3200" dirty="0">
+              <a:ln w="0"/>
+              <a:solidFill>
+                <a:schemeClr val="tx1"/>
+              </a:solidFill>
+              <a:effectLst>
+                <a:outerShdw blurRad="38100" dist="19050" dir="2700000" algn="tl" rotWithShape="0">
+                  <a:schemeClr val="dk1">
+                    <a:alpha val="40000"/>
+                  </a:schemeClr>
+                </a:outerShdw>
+              </a:effectLst>
+            </a:endParaRPr>
+          </a:p>
+          <a:p>
+            <a:pPr algn="ctr"/>
+            <a:r>
+              <a:rPr lang="pt-BR" dirty="0">
+                <a:ln w="0"/>
+                <a:solidFill>
+                  <a:schemeClr val="tx1"/>
+                </a:solidFill>
+                <a:effectLst>
+                  <a:outerShdw blurRad="38100" dist="19050" dir="2700000" algn="tl" rotWithShape="0">
+                    <a:schemeClr val="dk1">
+                      <a:alpha val="40000"/>
+                    </a:schemeClr>
+                  </a:outerShdw>
+                </a:effectLst>
+              </a:rPr>
+              <a:t>Chat Web</a:t>
+            </a:r>
+          </a:p>
+          <a:p>
+            <a:pPr algn="ctr"/>
+            <a:endParaRPr lang="pt-BR" dirty="0">
+              <a:ln w="0"/>
+              <a:solidFill>
+                <a:schemeClr val="tx1"/>
+              </a:solidFill>
+              <a:effectLst>
+                <a:outerShdw blurRad="38100" dist="19050" dir="2700000" algn="tl" rotWithShape="0">
+                  <a:schemeClr val="dk1">
+                    <a:alpha val="40000"/>
+                  </a:schemeClr>
+                </a:outerShdw>
+              </a:effectLst>
+            </a:endParaRPr>
+          </a:p>
+          <a:p>
+            <a:pPr algn="ctr"/>
+            <a:r>
+              <a:rPr lang="pt-BR" dirty="0">
+                <a:ln w="0"/>
+                <a:solidFill>
+                  <a:schemeClr val="tx1"/>
+                </a:solidFill>
+                <a:effectLst>
+                  <a:outerShdw blurRad="38100" dist="19050" dir="2700000" algn="tl" rotWithShape="0">
+                    <a:schemeClr val="dk1">
+                      <a:alpha val="40000"/>
+                    </a:schemeClr>
+                  </a:outerShdw>
+                </a:effectLst>
+              </a:rPr>
+              <a:t>Chat</a:t>
+            </a:r>
+          </a:p>
+          <a:p>
+            <a:pPr algn="ctr"/>
+            <a:r>
+              <a:rPr lang="pt-BR" dirty="0">
+                <a:ln w="0"/>
+                <a:solidFill>
+                  <a:schemeClr val="tx1"/>
+                </a:solidFill>
+                <a:effectLst>
+                  <a:outerShdw blurRad="38100" dist="19050" dir="2700000" algn="tl" rotWithShape="0">
+                    <a:schemeClr val="dk1">
+                      <a:alpha val="40000"/>
+                    </a:schemeClr>
+                  </a:outerShdw>
+                </a:effectLst>
+              </a:rPr>
+              <a:t> Mobile</a:t>
+            </a:r>
+          </a:p>
+          <a:p>
+            <a:pPr algn="ctr"/>
+            <a:endParaRPr lang="pt-BR" dirty="0">
+              <a:ln w="0"/>
+              <a:solidFill>
+                <a:schemeClr val="tx1"/>
+              </a:solidFill>
+              <a:effectLst>
+                <a:outerShdw blurRad="38100" dist="19050" dir="2700000" algn="tl" rotWithShape="0">
+                  <a:schemeClr val="dk1">
+                    <a:alpha val="40000"/>
+                  </a:schemeClr>
+                </a:outerShdw>
+              </a:effectLst>
+            </a:endParaRPr>
+          </a:p>
+        </p:txBody>
+      </p:sp>
+      <p:cxnSp>
+        <p:nvCxnSpPr>
+          <p:cNvPr id="82" name="Conector de seta reta 81"/>
+          <p:cNvCxnSpPr>
+            <a:cxnSpLocks/>
+            <a:stCxn id="79" idx="3"/>
+            <a:endCxn id="1029" idx="1"/>
+          </p:cNvCxnSpPr>
           <p:nvPr/>
-        </p:nvSpPr>
+        </p:nvCxnSpPr>
         <p:spPr>
-          <a:xfrm>
-            <a:off x="2759243" y="1347536"/>
-            <a:ext cx="8815616" cy="2903621"/>
+          <a:xfrm flipV="1">
+            <a:off x="2111423" y="2871536"/>
+            <a:ext cx="647820" cy="1"/>
           </a:xfrm>
-          <a:prstGeom prst="rect">
+          <a:prstGeom prst="straightConnector1">
             <a:avLst/>
           </a:prstGeom>
-          <a:noFill/>
           <a:ln>
-            <a:prstDash val="dash"/>
+            <a:tailEnd type="triangle"/>
           </a:ln>
         </p:spPr>
         <p:style>
-          <a:lnRef idx="2">
-            <a:schemeClr val="accent1">
-              <a:shade val="50000"/>
-            </a:schemeClr>
+          <a:lnRef idx="1">
+            <a:schemeClr val="accent1"/>
           </a:lnRef>
-          <a:fillRef idx="1">
+          <a:fillRef idx="0">
             <a:schemeClr val="accent1"/>
           </a:fillRef>
           <a:effectRef idx="0">
             <a:schemeClr val="accent1"/>
           </a:effectRef>
           <a:fontRef idx="minor">
-            <a:schemeClr val="lt1"/>
+            <a:schemeClr val="tx1"/>
           </a:fontRef>
         </p:style>
-        <p:txBody>
-          <a:bodyPr rtlCol="0" anchor="ctr"/>
-          <a:lstStyle/>
-          <a:p>
-            <a:pPr algn="ctr"/>
-            <a:endParaRPr lang="pt-BR"/>
-          </a:p>
-        </p:txBody>
-      </p:sp>
-      <p:sp>
-        <p:nvSpPr>
-          <p:cNvPr id="1031" name="CaixaDeTexto 1030"/>
-          <p:cNvSpPr txBox="1"/>
+      </p:cxnSp>
+      <p:sp>
+        <p:nvSpPr>
+          <p:cNvPr id="1051" name="Retângulo 1050"/>
+          <p:cNvSpPr/>
           <p:nvPr/>
         </p:nvSpPr>
         <p:spPr>
           <a:xfrm>
-            <a:off x="10698100" y="1384638"/>
-            <a:ext cx="870238" cy="373025"/>
-          </a:xfrm>
-          <a:prstGeom prst="rect">
-            <a:avLst/>
-          </a:prstGeom>
-          <a:noFill/>
-        </p:spPr>
-        <p:txBody>
-          <a:bodyPr wrap="none" rtlCol="0">
-            <a:spAutoFit/>
-          </a:bodyPr>
-          <a:lstStyle/>
-          <a:p>
-            <a:r>
-              <a:rPr lang="pt-BR" b="1" dirty="0" smtClean="0"/>
-              <a:t>Nuvem</a:t>
-            </a:r>
-            <a:endParaRPr lang="pt-BR" b="1" dirty="0"/>
-          </a:p>
-        </p:txBody>
-      </p:sp>
-      <p:sp>
-        <p:nvSpPr>
-          <p:cNvPr id="79" name="Retângulo 78"/>
-          <p:cNvSpPr/>
-          <p:nvPr/>
-        </p:nvSpPr>
-        <p:spPr>
-          <a:xfrm>
-            <a:off x="549575" y="1976268"/>
-            <a:ext cx="1561848" cy="1646156"/>
+            <a:off x="7689283" y="5496991"/>
+            <a:ext cx="3885576" cy="480887"/>
           </a:xfrm>
           <a:prstGeom prst="rect">
             <a:avLst/>
@@ -3746,7 +3659,7 @@
           <a:p>
             <a:pPr algn="ctr"/>
             <a:r>
-              <a:rPr lang="pt-BR" sz="3200" dirty="0" smtClean="0">
+              <a:rPr lang="pt-BR" dirty="0">
                 <a:ln w="0"/>
                 <a:solidFill>
                   <a:schemeClr val="tx1"/>
@@ -3759,69 +3672,80 @@
                   </a:outerShdw>
                 </a:effectLst>
               </a:rPr>
-              <a:t>Usuário</a:t>
-            </a:r>
-            <a:endParaRPr lang="pt-BR" sz="3200" dirty="0">
-              <a:ln w="0"/>
-              <a:solidFill>
-                <a:schemeClr val="tx1"/>
-              </a:solidFill>
-              <a:effectLst>
-                <a:outerShdw blurRad="38100" dist="19050" dir="2700000" algn="tl" rotWithShape="0">
-                  <a:schemeClr val="dk1">
-                    <a:alpha val="40000"/>
-                  </a:schemeClr>
-                </a:outerShdw>
-              </a:effectLst>
-            </a:endParaRPr>
-          </a:p>
-          <a:p>
-            <a:pPr algn="ctr"/>
-            <a:r>
-              <a:rPr lang="pt-BR" dirty="0" smtClean="0">
+              <a:t>Dashboard</a:t>
+            </a:r>
+          </a:p>
+        </p:txBody>
+      </p:sp>
+      <p:sp>
+        <p:nvSpPr>
+          <p:cNvPr id="1055" name="CaixaDeTexto 1054"/>
+          <p:cNvSpPr txBox="1"/>
+          <p:nvPr/>
+        </p:nvSpPr>
+        <p:spPr>
+          <a:xfrm>
+            <a:off x="368048" y="246743"/>
+            <a:ext cx="7321235" cy="769441"/>
+          </a:xfrm>
+          <a:prstGeom prst="rect">
+            <a:avLst/>
+          </a:prstGeom>
+          <a:noFill/>
+        </p:spPr>
+        <p:txBody>
+          <a:bodyPr wrap="none" rtlCol="0">
+            <a:spAutoFit/>
+          </a:bodyPr>
+          <a:lstStyle/>
+          <a:p>
+            <a:r>
+              <a:rPr lang="pt-BR" sz="4400" b="1" dirty="0">
                 <a:ln w="0"/>
                 <a:solidFill>
-                  <a:schemeClr val="tx1"/>
-                </a:solidFill>
-                <a:effectLst>
-                  <a:outerShdw blurRad="38100" dist="19050" dir="2700000" algn="tl" rotWithShape="0">
-                    <a:schemeClr val="dk1">
-                      <a:alpha val="40000"/>
-                    </a:schemeClr>
-                  </a:outerShdw>
-                </a:effectLst>
+                  <a:schemeClr val="accent1"/>
+                </a:solidFill>
+                <a:latin typeface="Lucida Console" panose="020B0609040504020204" pitchFamily="49" charset="0"/>
               </a:rPr>
-              <a:t>Chat</a:t>
-            </a:r>
-            <a:endParaRPr lang="pt-BR" dirty="0">
-              <a:ln w="0"/>
-              <a:solidFill>
-                <a:schemeClr val="tx1"/>
-              </a:solidFill>
-              <a:effectLst>
-                <a:outerShdw blurRad="38100" dist="19050" dir="2700000" algn="tl" rotWithShape="0">
-                  <a:schemeClr val="dk1">
-                    <a:alpha val="40000"/>
-                  </a:schemeClr>
-                </a:outerShdw>
-              </a:effectLst>
-            </a:endParaRPr>
+              <a:t>[</a:t>
+            </a:r>
+            <a:r>
+              <a:rPr lang="pt-BR" sz="4400" b="1" dirty="0" err="1">
+                <a:ln w="0"/>
+                <a:solidFill>
+                  <a:schemeClr val="accent1"/>
+                </a:solidFill>
+                <a:latin typeface="Lucida Console" panose="020B0609040504020204" pitchFamily="49" charset="0"/>
+              </a:rPr>
+              <a:t>Arquitetura_sistema</a:t>
+            </a:r>
+            <a:r>
+              <a:rPr lang="pt-BR" sz="4400" b="1" dirty="0">
+                <a:ln w="0"/>
+                <a:solidFill>
+                  <a:schemeClr val="accent1"/>
+                </a:solidFill>
+                <a:latin typeface="Lucida Console" panose="020B0609040504020204" pitchFamily="49" charset="0"/>
+              </a:rPr>
+              <a:t>]</a:t>
+            </a:r>
           </a:p>
         </p:txBody>
       </p:sp>
       <p:cxnSp>
         <p:nvCxnSpPr>
-          <p:cNvPr id="82" name="Conector de seta reta 81"/>
+          <p:cNvPr id="10" name="Conector de seta reta 9"/>
           <p:cNvCxnSpPr>
-            <a:stCxn id="79" idx="3"/>
-            <a:endCxn id="1029" idx="1"/>
+            <a:cxnSpLocks/>
+            <a:stCxn id="54" idx="3"/>
+            <a:endCxn id="44" idx="2"/>
           </p:cNvCxnSpPr>
           <p:nvPr/>
         </p:nvCxnSpPr>
         <p:spPr>
-          <a:xfrm>
-            <a:off x="2111423" y="2799346"/>
-            <a:ext cx="647820" cy="1"/>
+          <a:xfrm flipV="1">
+            <a:off x="8949946" y="2884095"/>
+            <a:ext cx="511026" cy="4319"/>
           </a:xfrm>
           <a:prstGeom prst="straightConnector1">
             <a:avLst/>
@@ -3845,51 +3769,16 @@
           </a:fontRef>
         </p:style>
       </p:cxnSp>
-      <p:cxnSp>
-        <p:nvCxnSpPr>
-          <p:cNvPr id="1050" name="Conector de seta reta 1049"/>
-          <p:cNvCxnSpPr>
-            <a:endCxn id="1051" idx="0"/>
-          </p:cNvCxnSpPr>
+      <p:sp>
+        <p:nvSpPr>
+          <p:cNvPr id="41" name="Retângulo 40"/>
+          <p:cNvSpPr/>
           <p:nvPr/>
-        </p:nvCxnSpPr>
+        </p:nvSpPr>
         <p:spPr>
           <a:xfrm>
-            <a:off x="9256295" y="3813899"/>
-            <a:ext cx="293009" cy="848393"/>
-          </a:xfrm>
-          <a:prstGeom prst="straightConnector1">
-            <a:avLst/>
-          </a:prstGeom>
-          <a:ln>
-            <a:tailEnd type="triangle"/>
-          </a:ln>
-        </p:spPr>
-        <p:style>
-          <a:lnRef idx="1">
-            <a:schemeClr val="accent1"/>
-          </a:lnRef>
-          <a:fillRef idx="0">
-            <a:schemeClr val="accent1"/>
-          </a:fillRef>
-          <a:effectRef idx="0">
-            <a:schemeClr val="accent1"/>
-          </a:effectRef>
-          <a:fontRef idx="minor">
-            <a:schemeClr val="tx1"/>
-          </a:fontRef>
-        </p:style>
-      </p:cxnSp>
-      <p:sp>
-        <p:nvSpPr>
-          <p:cNvPr id="1051" name="Retângulo 1050"/>
-          <p:cNvSpPr/>
-          <p:nvPr/>
-        </p:nvSpPr>
-        <p:spPr>
-          <a:xfrm>
-            <a:off x="7523748" y="4662292"/>
-            <a:ext cx="4051112" cy="1167978"/>
+            <a:off x="2937591" y="1757663"/>
+            <a:ext cx="954505" cy="2252864"/>
           </a:xfrm>
           <a:prstGeom prst="rect">
             <a:avLst/>
@@ -3926,7 +3815,7 @@
           <a:p>
             <a:pPr algn="ctr"/>
             <a:r>
-              <a:rPr lang="pt-BR" dirty="0">
+              <a:rPr lang="pt-BR" dirty="0" err="1">
                 <a:ln w="0"/>
                 <a:solidFill>
                   <a:schemeClr val="tx1"/>
@@ -3939,86 +3828,38 @@
                   </a:outerShdw>
                 </a:effectLst>
               </a:rPr>
-              <a:t>Dashboard</a:t>
-            </a:r>
-          </a:p>
-        </p:txBody>
-      </p:sp>
-      <p:sp>
-        <p:nvSpPr>
-          <p:cNvPr id="1055" name="CaixaDeTexto 1054"/>
-          <p:cNvSpPr txBox="1"/>
-          <p:nvPr/>
-        </p:nvSpPr>
-        <p:spPr>
-          <a:xfrm>
-            <a:off x="368048" y="246743"/>
-            <a:ext cx="7321235" cy="769441"/>
-          </a:xfrm>
-          <a:prstGeom prst="rect">
-            <a:avLst/>
-          </a:prstGeom>
-          <a:noFill/>
-        </p:spPr>
-        <p:txBody>
-          <a:bodyPr wrap="none" rtlCol="0">
-            <a:spAutoFit/>
-          </a:bodyPr>
-          <a:lstStyle/>
-          <a:p>
-            <a:r>
-              <a:rPr lang="pt-BR" sz="4400" b="1" dirty="0" smtClean="0">
-                <a:ln w="0"/>
-                <a:solidFill>
-                  <a:schemeClr val="accent1"/>
-                </a:solidFill>
-                <a:latin typeface="Lucida Console" panose="020B0609040504020204" pitchFamily="49" charset="0"/>
-              </a:rPr>
-              <a:t>[</a:t>
-            </a:r>
-            <a:r>
-              <a:rPr lang="pt-BR" sz="4400" b="1" dirty="0" err="1" smtClean="0">
-                <a:ln w="0"/>
-                <a:solidFill>
-                  <a:schemeClr val="accent1"/>
-                </a:solidFill>
-                <a:latin typeface="Lucida Console" panose="020B0609040504020204" pitchFamily="49" charset="0"/>
-              </a:rPr>
-              <a:t>Arquitetura_sistema</a:t>
-            </a:r>
-            <a:r>
-              <a:rPr lang="pt-BR" sz="4400" b="1" dirty="0" smtClean="0">
-                <a:ln w="0"/>
-                <a:solidFill>
-                  <a:schemeClr val="accent1"/>
-                </a:solidFill>
-                <a:latin typeface="Lucida Console" panose="020B0609040504020204" pitchFamily="49" charset="0"/>
-              </a:rPr>
-              <a:t>]</a:t>
-            </a:r>
-            <a:endParaRPr lang="pt-BR" sz="4400" b="1" dirty="0">
+              <a:t>Chatbot</a:t>
+            </a:r>
+            <a:endParaRPr lang="pt-BR" dirty="0">
               <a:ln w="0"/>
               <a:solidFill>
-                <a:schemeClr val="accent1"/>
+                <a:schemeClr val="tx1"/>
               </a:solidFill>
-              <a:latin typeface="Lucida Console" panose="020B0609040504020204" pitchFamily="49" charset="0"/>
+              <a:effectLst>
+                <a:outerShdw blurRad="38100" dist="19050" dir="2700000" algn="tl" rotWithShape="0">
+                  <a:schemeClr val="dk1">
+                    <a:alpha val="40000"/>
+                  </a:schemeClr>
+                </a:outerShdw>
+              </a:effectLst>
             </a:endParaRPr>
           </a:p>
         </p:txBody>
       </p:sp>
       <p:cxnSp>
         <p:nvCxnSpPr>
-          <p:cNvPr id="10" name="Conector de seta reta 9"/>
+          <p:cNvPr id="32" name="Conector de seta reta 31"/>
           <p:cNvCxnSpPr>
-            <a:stCxn id="54" idx="3"/>
-            <a:endCxn id="44" idx="2"/>
+            <a:cxnSpLocks/>
+            <a:stCxn id="41" idx="3"/>
+            <a:endCxn id="54" idx="1"/>
           </p:cNvCxnSpPr>
           <p:nvPr/>
         </p:nvCxnSpPr>
         <p:spPr>
-          <a:xfrm flipV="1">
-            <a:off x="8742946" y="2663802"/>
-            <a:ext cx="677923" cy="1"/>
+          <a:xfrm>
+            <a:off x="3892096" y="2884095"/>
+            <a:ext cx="548136" cy="4319"/>
           </a:xfrm>
           <a:prstGeom prst="straightConnector1">
             <a:avLst/>
@@ -4044,14 +3885,20 @@
       </p:cxnSp>
       <p:sp>
         <p:nvSpPr>
-          <p:cNvPr id="41" name="Retângulo 40"/>
+          <p:cNvPr id="29" name="Retângulo 28">
+            <a:extLst>
+              <a:ext uri="{FF2B5EF4-FFF2-40B4-BE49-F238E27FC236}">
+                <a16:creationId xmlns:a16="http://schemas.microsoft.com/office/drawing/2014/main" id="{3F188F4D-1185-4450-8171-5EA33B643051}"/>
+              </a:ext>
+            </a:extLst>
+          </p:cNvPr>
           <p:cNvSpPr/>
           <p:nvPr/>
         </p:nvSpPr>
         <p:spPr>
           <a:xfrm>
-            <a:off x="2937591" y="1505554"/>
-            <a:ext cx="954505" cy="2308345"/>
+            <a:off x="2759243" y="4756614"/>
+            <a:ext cx="8809096" cy="480887"/>
           </a:xfrm>
           <a:prstGeom prst="rect">
             <a:avLst/>
@@ -4088,7 +3935,7 @@
           <a:p>
             <a:pPr algn="ctr"/>
             <a:r>
-              <a:rPr lang="pt-BR" dirty="0" err="1">
+              <a:rPr lang="pt-BR" dirty="0">
                 <a:ln w="0"/>
                 <a:solidFill>
                   <a:schemeClr val="tx1"/>
@@ -4101,10 +3948,64 @@
                   </a:outerShdw>
                 </a:effectLst>
               </a:rPr>
-              <a:t>C</a:t>
-            </a:r>
-            <a:r>
-              <a:rPr lang="pt-BR" dirty="0" err="1" smtClean="0">
+              <a:t>Aplicação Web</a:t>
+            </a:r>
+          </a:p>
+        </p:txBody>
+      </p:sp>
+      <p:sp>
+        <p:nvSpPr>
+          <p:cNvPr id="30" name="Retângulo 29">
+            <a:extLst>
+              <a:ext uri="{FF2B5EF4-FFF2-40B4-BE49-F238E27FC236}">
+                <a16:creationId xmlns:a16="http://schemas.microsoft.com/office/drawing/2014/main" id="{558C44A1-3E06-4817-8E35-D7583666D798}"/>
+              </a:ext>
+            </a:extLst>
+          </p:cNvPr>
+          <p:cNvSpPr/>
+          <p:nvPr/>
+        </p:nvSpPr>
+        <p:spPr>
+          <a:xfrm>
+            <a:off x="2759242" y="5496990"/>
+            <a:ext cx="3885576" cy="480887"/>
+          </a:xfrm>
+          <a:prstGeom prst="rect">
+            <a:avLst/>
+          </a:prstGeom>
+          <a:solidFill>
+            <a:schemeClr val="accent1">
+              <a:lumMod val="60000"/>
+              <a:lumOff val="40000"/>
+            </a:schemeClr>
+          </a:solidFill>
+          <a:ln>
+            <a:noFill/>
+          </a:ln>
+        </p:spPr>
+        <p:style>
+          <a:lnRef idx="2">
+            <a:schemeClr val="accent1">
+              <a:shade val="50000"/>
+            </a:schemeClr>
+          </a:lnRef>
+          <a:fillRef idx="1">
+            <a:schemeClr val="accent1"/>
+          </a:fillRef>
+          <a:effectRef idx="0">
+            <a:schemeClr val="accent1"/>
+          </a:effectRef>
+          <a:fontRef idx="minor">
+            <a:schemeClr val="lt1"/>
+          </a:fontRef>
+        </p:style>
+        <p:txBody>
+          <a:bodyPr rtlCol="0" anchor="ctr"/>
+          <a:lstStyle/>
+          <a:p>
+            <a:pPr algn="ctr"/>
+            <a:r>
+              <a:rPr lang="pt-BR" dirty="0">
                 <a:ln w="0"/>
                 <a:solidFill>
                   <a:schemeClr val="tx1"/>
@@ -4117,37 +4018,114 @@
                   </a:outerShdw>
                 </a:effectLst>
               </a:rPr>
-              <a:t>hatbot</a:t>
-            </a:r>
-            <a:endParaRPr lang="pt-BR" dirty="0">
-              <a:ln w="0"/>
-              <a:solidFill>
-                <a:schemeClr val="tx1"/>
-              </a:solidFill>
-              <a:effectLst>
-                <a:outerShdw blurRad="38100" dist="19050" dir="2700000" algn="tl" rotWithShape="0">
-                  <a:schemeClr val="dk1">
-                    <a:alpha val="40000"/>
-                  </a:schemeClr>
-                </a:outerShdw>
-              </a:effectLst>
-            </a:endParaRPr>
+              <a:t>Aplicação Mobile</a:t>
+            </a:r>
           </a:p>
         </p:txBody>
       </p:sp>
       <p:cxnSp>
         <p:nvCxnSpPr>
-          <p:cNvPr id="32" name="Conector de seta reta 31"/>
+          <p:cNvPr id="21" name="Conector de Seta Reta 20">
+            <a:extLst>
+              <a:ext uri="{FF2B5EF4-FFF2-40B4-BE49-F238E27FC236}">
+                <a16:creationId xmlns:a16="http://schemas.microsoft.com/office/drawing/2014/main" id="{AB7606B6-599F-41FC-B5D7-146E88E3E575}"/>
+              </a:ext>
+            </a:extLst>
+          </p:cNvPr>
           <p:cNvCxnSpPr>
-            <a:stCxn id="41" idx="3"/>
-            <a:endCxn id="54" idx="1"/>
+            <a:cxnSpLocks/>
+            <a:stCxn id="30" idx="0"/>
           </p:cNvCxnSpPr>
           <p:nvPr/>
         </p:nvCxnSpPr>
         <p:spPr>
-          <a:xfrm>
-            <a:off x="3892096" y="2659727"/>
-            <a:ext cx="341136" cy="4076"/>
+          <a:xfrm flipV="1">
+            <a:off x="4702030" y="5237500"/>
+            <a:ext cx="0" cy="259490"/>
+          </a:xfrm>
+          <a:prstGeom prst="straightConnector1">
+            <a:avLst/>
+          </a:prstGeom>
+          <a:ln>
+            <a:tailEnd type="triangle"/>
+          </a:ln>
+        </p:spPr>
+        <p:style>
+          <a:lnRef idx="1">
+            <a:schemeClr val="accent1"/>
+          </a:lnRef>
+          <a:fillRef idx="0">
+            <a:schemeClr val="accent1"/>
+          </a:fillRef>
+          <a:effectRef idx="0">
+            <a:schemeClr val="accent1"/>
+          </a:effectRef>
+          <a:fontRef idx="minor">
+            <a:schemeClr val="tx1"/>
+          </a:fontRef>
+        </p:style>
+      </p:cxnSp>
+      <p:cxnSp>
+        <p:nvCxnSpPr>
+          <p:cNvPr id="23" name="Conector de Seta Reta 22">
+            <a:extLst>
+              <a:ext uri="{FF2B5EF4-FFF2-40B4-BE49-F238E27FC236}">
+                <a16:creationId xmlns:a16="http://schemas.microsoft.com/office/drawing/2014/main" id="{18B57A99-840D-4095-AEDB-C655F93A5917}"/>
+              </a:ext>
+            </a:extLst>
+          </p:cNvPr>
+          <p:cNvCxnSpPr>
+            <a:cxnSpLocks/>
+            <a:stCxn id="1051" idx="0"/>
+          </p:cNvCxnSpPr>
+          <p:nvPr/>
+        </p:nvCxnSpPr>
+        <p:spPr>
+          <a:xfrm flipV="1">
+            <a:off x="9632071" y="5237500"/>
+            <a:ext cx="1" cy="259491"/>
+          </a:xfrm>
+          <a:prstGeom prst="straightConnector1">
+            <a:avLst/>
+          </a:prstGeom>
+          <a:ln>
+            <a:tailEnd type="triangle"/>
+          </a:ln>
+        </p:spPr>
+        <p:style>
+          <a:lnRef idx="1">
+            <a:schemeClr val="accent1"/>
+          </a:lnRef>
+          <a:fillRef idx="0">
+            <a:schemeClr val="accent1"/>
+          </a:fillRef>
+          <a:effectRef idx="0">
+            <a:schemeClr val="accent1"/>
+          </a:effectRef>
+          <a:fontRef idx="minor">
+            <a:schemeClr val="tx1"/>
+          </a:fontRef>
+        </p:style>
+      </p:cxnSp>
+      <p:cxnSp>
+        <p:nvCxnSpPr>
+          <p:cNvPr id="28" name="Conector de Seta Reta 27">
+            <a:extLst>
+              <a:ext uri="{FF2B5EF4-FFF2-40B4-BE49-F238E27FC236}">
+                <a16:creationId xmlns:a16="http://schemas.microsoft.com/office/drawing/2014/main" id="{62E9FC39-DDF8-43B9-AB89-02DD7A5F0902}"/>
+              </a:ext>
+            </a:extLst>
+          </p:cNvPr>
+          <p:cNvCxnSpPr>
+            <a:stCxn id="29" idx="0"/>
+            <a:endCxn id="1029" idx="2"/>
+          </p:cNvCxnSpPr>
+          <p:nvPr/>
+        </p:nvCxnSpPr>
+        <p:spPr>
+          <a:xfrm flipV="1">
+            <a:off x="7163791" y="4395536"/>
+            <a:ext cx="3260" cy="361078"/>
           </a:xfrm>
           <a:prstGeom prst="straightConnector1">
             <a:avLst/>
@@ -4181,13 +4159,6 @@
   <p:clrMapOvr>
     <a:masterClrMapping/>
   </p:clrMapOvr>
-  <p:timing>
-    <p:tnLst>
-      <p:par>
-        <p:cTn id="1" dur="indefinite" restart="never" nodeType="tmRoot"/>
-      </p:par>
-    </p:tnLst>
-  </p:timing>
 </p:sld>
 </file>
 
@@ -4231,202 +4202,293 @@
           <a:lstStyle/>
           <a:p>
             <a:r>
-              <a:rPr lang="pt-BR" sz="4400" b="1" dirty="0" smtClean="0">
+              <a:rPr lang="pt-BR" sz="4400" b="1" dirty="0">
                 <a:ln w="0"/>
                 <a:solidFill>
                   <a:schemeClr val="accent1"/>
                 </a:solidFill>
                 <a:latin typeface="Lucida Console" panose="020B0609040504020204" pitchFamily="49" charset="0"/>
               </a:rPr>
-              <a:t>[Projeto]</a:t>
-            </a:r>
-            <a:endParaRPr lang="pt-BR" sz="4400" b="1" dirty="0">
-              <a:ln w="0"/>
-              <a:solidFill>
-                <a:schemeClr val="accent1"/>
-              </a:solidFill>
-              <a:latin typeface="Lucida Console" panose="020B0609040504020204" pitchFamily="49" charset="0"/>
-            </a:endParaRPr>
-          </a:p>
-        </p:txBody>
-      </p:sp>
-      <p:sp>
-        <p:nvSpPr>
-          <p:cNvPr id="5" name="Espaço Reservado para Conteúdo 2"/>
-          <p:cNvSpPr>
-            <a:spLocks noGrp="1"/>
-          </p:cNvSpPr>
+              <a:t>[</a:t>
+            </a:r>
+            <a:r>
+              <a:rPr lang="pt-BR" sz="4400" b="1" dirty="0" err="1">
+                <a:ln w="0"/>
+                <a:solidFill>
+                  <a:schemeClr val="accent1"/>
+                </a:solidFill>
+                <a:latin typeface="Lucida Console" panose="020B0609040504020204" pitchFamily="49" charset="0"/>
+              </a:rPr>
+              <a:t>Chatbot</a:t>
+            </a:r>
+            <a:r>
+              <a:rPr lang="pt-BR" sz="4400" b="1" dirty="0">
+                <a:ln w="0"/>
+                <a:solidFill>
+                  <a:schemeClr val="accent1"/>
+                </a:solidFill>
+                <a:latin typeface="Lucida Console" panose="020B0609040504020204" pitchFamily="49" charset="0"/>
+              </a:rPr>
+              <a:t>]</a:t>
+            </a:r>
+          </a:p>
+        </p:txBody>
+      </p:sp>
+      <p:graphicFrame>
+        <p:nvGraphicFramePr>
+          <p:cNvPr id="2" name="Tabela 1">
+            <a:extLst>
+              <a:ext uri="{FF2B5EF4-FFF2-40B4-BE49-F238E27FC236}">
+                <a16:creationId xmlns:a16="http://schemas.microsoft.com/office/drawing/2014/main" id="{88519225-7D3E-43F3-B829-B832663C7F26}"/>
+              </a:ext>
+            </a:extLst>
+          </p:cNvPr>
+          <p:cNvGraphicFramePr>
+            <a:graphicFrameLocks noGrp="1"/>
+          </p:cNvGraphicFramePr>
           <p:nvPr>
-            <p:ph idx="1"/>
+            <p:extLst>
+              <p:ext uri="{D42A27DB-BD31-4B8C-83A1-F6EECF244321}">
+                <p14:modId xmlns:p14="http://schemas.microsoft.com/office/powerpoint/2010/main" val="670953304"/>
+              </p:ext>
+            </p:extLst>
           </p:nvPr>
-        </p:nvSpPr>
-        <p:spPr>
-          <a:xfrm>
-            <a:off x="838200" y="1825625"/>
-            <a:ext cx="5755105" cy="4351338"/>
-          </a:xfrm>
-        </p:spPr>
-        <p:txBody>
-          <a:bodyPr>
-            <a:normAutofit lnSpcReduction="10000"/>
-          </a:bodyPr>
-          <a:lstStyle/>
-          <a:p>
-            <a:r>
-              <a:rPr lang="pt-BR" dirty="0" err="1">
-                <a:solidFill>
-                  <a:schemeClr val="accent1">
-                    <a:lumMod val="50000"/>
-                  </a:schemeClr>
-                </a:solidFill>
-              </a:rPr>
-              <a:t>ChatBot</a:t>
-            </a:r>
-            <a:r>
-              <a:rPr lang="pt-BR" dirty="0">
-                <a:solidFill>
-                  <a:schemeClr val="accent1">
-                    <a:lumMod val="50000"/>
-                  </a:schemeClr>
-                </a:solidFill>
-              </a:rPr>
-              <a:t>: </a:t>
-            </a:r>
-            <a:r>
-              <a:rPr lang="pt-BR" dirty="0" smtClean="0">
-                <a:solidFill>
-                  <a:schemeClr val="accent1">
-                    <a:lumMod val="50000"/>
-                  </a:schemeClr>
-                </a:solidFill>
-              </a:rPr>
-              <a:t>Utilizando recursos </a:t>
-            </a:r>
-            <a:r>
-              <a:rPr lang="pt-BR" dirty="0">
-                <a:solidFill>
-                  <a:schemeClr val="accent1">
-                    <a:lumMod val="50000"/>
-                  </a:schemeClr>
-                </a:solidFill>
-              </a:rPr>
-              <a:t>de Inteligência </a:t>
-            </a:r>
-            <a:r>
-              <a:rPr lang="pt-BR" dirty="0" err="1">
-                <a:solidFill>
-                  <a:schemeClr val="accent1">
-                    <a:lumMod val="50000"/>
-                  </a:schemeClr>
-                </a:solidFill>
-              </a:rPr>
-              <a:t>Artifícial</a:t>
-            </a:r>
-            <a:r>
-              <a:rPr lang="pt-BR" dirty="0">
-                <a:solidFill>
-                  <a:schemeClr val="accent1">
-                    <a:lumMod val="50000"/>
-                  </a:schemeClr>
-                </a:solidFill>
-              </a:rPr>
-              <a:t> para problemas mais simples;</a:t>
-            </a:r>
-          </a:p>
-          <a:p>
-            <a:r>
-              <a:rPr lang="pt-BR" dirty="0">
-                <a:solidFill>
-                  <a:schemeClr val="accent1">
-                    <a:lumMod val="50000"/>
-                  </a:schemeClr>
-                </a:solidFill>
-              </a:rPr>
-              <a:t>Desenvolver aplicação mobile para atender ao cliente interno (</a:t>
-            </a:r>
-            <a:r>
-              <a:rPr lang="pt-BR" dirty="0" err="1">
-                <a:solidFill>
-                  <a:schemeClr val="accent1">
-                    <a:lumMod val="50000"/>
-                  </a:schemeClr>
-                </a:solidFill>
-              </a:rPr>
-              <a:t>App</a:t>
-            </a:r>
-            <a:r>
-              <a:rPr lang="pt-BR" dirty="0">
-                <a:solidFill>
-                  <a:schemeClr val="accent1">
-                    <a:lumMod val="50000"/>
-                  </a:schemeClr>
-                </a:solidFill>
-              </a:rPr>
-              <a:t> técnico);</a:t>
-            </a:r>
-          </a:p>
-          <a:p>
-            <a:r>
-              <a:rPr lang="pt-BR" dirty="0">
-                <a:solidFill>
-                  <a:schemeClr val="accent1">
-                    <a:lumMod val="50000"/>
-                  </a:schemeClr>
-                </a:solidFill>
-              </a:rPr>
-              <a:t>Implementar o acesso ao </a:t>
-            </a:r>
-            <a:r>
-              <a:rPr lang="pt-BR" dirty="0" err="1">
-                <a:solidFill>
-                  <a:schemeClr val="accent1">
-                    <a:lumMod val="50000"/>
-                  </a:schemeClr>
-                </a:solidFill>
-              </a:rPr>
-              <a:t>ChatBot</a:t>
-            </a:r>
-            <a:r>
-              <a:rPr lang="pt-BR" dirty="0">
-                <a:solidFill>
-                  <a:schemeClr val="accent1">
-                    <a:lumMod val="50000"/>
-                  </a:schemeClr>
-                </a:solidFill>
-              </a:rPr>
-              <a:t> a partir dos aplicativos da empresa e dos canais existentes;</a:t>
-            </a:r>
-          </a:p>
-          <a:p>
-            <a:r>
-              <a:rPr lang="pt-BR" dirty="0">
-                <a:solidFill>
-                  <a:schemeClr val="accent1">
-                    <a:lumMod val="50000"/>
-                  </a:schemeClr>
-                </a:solidFill>
-              </a:rPr>
-              <a:t>Utilizar dados existentes para suprir o sistema inicialmente.</a:t>
-            </a:r>
-          </a:p>
-          <a:p>
-            <a:pPr marL="0" indent="0">
-              <a:buNone/>
-            </a:pPr>
-            <a:endParaRPr lang="pt-BR" dirty="0">
-              <a:solidFill>
-                <a:schemeClr val="accent1">
-                  <a:lumMod val="50000"/>
-                </a:schemeClr>
-              </a:solidFill>
-            </a:endParaRPr>
-          </a:p>
-        </p:txBody>
-      </p:sp>
+        </p:nvGraphicFramePr>
+        <p:xfrm>
+          <a:off x="919747" y="1676667"/>
+          <a:ext cx="10352505" cy="2789456"/>
+        </p:xfrm>
+        <a:graphic>
+          <a:graphicData uri="http://schemas.openxmlformats.org/drawingml/2006/table">
+            <a:tbl>
+              <a:tblPr firstRow="1" bandRow="1">
+                <a:tableStyleId>{5C22544A-7EE6-4342-B048-85BDC9FD1C3A}</a:tableStyleId>
+              </a:tblPr>
+              <a:tblGrid>
+                <a:gridCol w="2070501">
+                  <a:extLst>
+                    <a:ext uri="{9D8B030D-6E8A-4147-A177-3AD203B41FA5}">
+                      <a16:colId xmlns:a16="http://schemas.microsoft.com/office/drawing/2014/main" val="1464427822"/>
+                    </a:ext>
+                  </a:extLst>
+                </a:gridCol>
+                <a:gridCol w="2070501">
+                  <a:extLst>
+                    <a:ext uri="{9D8B030D-6E8A-4147-A177-3AD203B41FA5}">
+                      <a16:colId xmlns:a16="http://schemas.microsoft.com/office/drawing/2014/main" val="93189610"/>
+                    </a:ext>
+                  </a:extLst>
+                </a:gridCol>
+                <a:gridCol w="2070501">
+                  <a:extLst>
+                    <a:ext uri="{9D8B030D-6E8A-4147-A177-3AD203B41FA5}">
+                      <a16:colId xmlns:a16="http://schemas.microsoft.com/office/drawing/2014/main" val="3252602636"/>
+                    </a:ext>
+                  </a:extLst>
+                </a:gridCol>
+                <a:gridCol w="2070501">
+                  <a:extLst>
+                    <a:ext uri="{9D8B030D-6E8A-4147-A177-3AD203B41FA5}">
+                      <a16:colId xmlns:a16="http://schemas.microsoft.com/office/drawing/2014/main" val="4294812467"/>
+                    </a:ext>
+                  </a:extLst>
+                </a:gridCol>
+                <a:gridCol w="2070501">
+                  <a:extLst>
+                    <a:ext uri="{9D8B030D-6E8A-4147-A177-3AD203B41FA5}">
+                      <a16:colId xmlns:a16="http://schemas.microsoft.com/office/drawing/2014/main" val="3920305548"/>
+                    </a:ext>
+                  </a:extLst>
+                </a:gridCol>
+              </a:tblGrid>
+              <a:tr h="777776">
+                <a:tc>
+                  <a:txBody>
+                    <a:bodyPr/>
+                    <a:lstStyle/>
+                    <a:p>
+                      <a:pPr algn="ctr"/>
+                      <a:r>
+                        <a:rPr lang="pt-BR" dirty="0"/>
+                        <a:t>Tarefa</a:t>
+                      </a:r>
+                      <a:endParaRPr lang="en-US" dirty="0"/>
+                    </a:p>
+                  </a:txBody>
+                  <a:tcPr anchor="ctr"/>
+                </a:tc>
+                <a:tc>
+                  <a:txBody>
+                    <a:bodyPr/>
+                    <a:lstStyle/>
+                    <a:p>
+                      <a:pPr algn="ctr"/>
+                      <a:r>
+                        <a:rPr lang="pt-BR" dirty="0"/>
+                        <a:t>Objetivo</a:t>
+                      </a:r>
+                      <a:endParaRPr lang="en-US" dirty="0"/>
+                    </a:p>
+                  </a:txBody>
+                  <a:tcPr anchor="ctr"/>
+                </a:tc>
+                <a:tc>
+                  <a:txBody>
+                    <a:bodyPr/>
+                    <a:lstStyle/>
+                    <a:p>
+                      <a:pPr algn="ctr"/>
+                      <a:r>
+                        <a:rPr lang="pt-BR" dirty="0"/>
+                        <a:t>Motivação do Usuário</a:t>
+                      </a:r>
+                      <a:endParaRPr lang="en-US" dirty="0"/>
+                    </a:p>
+                  </a:txBody>
+                  <a:tcPr anchor="ctr"/>
+                </a:tc>
+                <a:tc>
+                  <a:txBody>
+                    <a:bodyPr/>
+                    <a:lstStyle/>
+                    <a:p>
+                      <a:pPr algn="ctr"/>
+                      <a:r>
+                        <a:rPr lang="pt-BR" dirty="0"/>
+                        <a:t>Passos</a:t>
+                      </a:r>
+                      <a:endParaRPr lang="en-US" dirty="0"/>
+                    </a:p>
+                  </a:txBody>
+                  <a:tcPr anchor="ctr"/>
+                </a:tc>
+                <a:tc>
+                  <a:txBody>
+                    <a:bodyPr/>
+                    <a:lstStyle/>
+                    <a:p>
+                      <a:pPr algn="ctr"/>
+                      <a:r>
+                        <a:rPr lang="pt-BR" dirty="0"/>
+                        <a:t>Previsões</a:t>
+                      </a:r>
+                      <a:endParaRPr lang="en-US" dirty="0"/>
+                    </a:p>
+                  </a:txBody>
+                  <a:tcPr anchor="ctr"/>
+                </a:tc>
+                <a:extLst>
+                  <a:ext uri="{0D108BD9-81ED-4DB2-BD59-A6C34878D82A}">
+                    <a16:rowId xmlns:a16="http://schemas.microsoft.com/office/drawing/2014/main" val="4271575893"/>
+                  </a:ext>
+                </a:extLst>
+              </a:tr>
+              <a:tr h="838485">
+                <a:tc>
+                  <a:txBody>
+                    <a:bodyPr/>
+                    <a:lstStyle/>
+                    <a:p>
+                      <a:pPr algn="ctr"/>
+                      <a:r>
+                        <a:rPr lang="pt-BR" dirty="0"/>
+                        <a:t>Interagir com o usuário até resolver o problema ou coletar a maior quantidade de informações sobre ele</a:t>
+                      </a:r>
+                      <a:endParaRPr lang="en-US" dirty="0"/>
+                    </a:p>
+                  </a:txBody>
+                  <a:tcPr anchor="ctr"/>
+                </a:tc>
+                <a:tc>
+                  <a:txBody>
+                    <a:bodyPr/>
+                    <a:lstStyle/>
+                    <a:p>
+                      <a:pPr marL="0" marR="0" lvl="0" indent="0" algn="ctr" defTabSz="914400" rtl="0" eaLnBrk="1" fontAlgn="auto" latinLnBrk="0" hangingPunct="1">
+                        <a:lnSpc>
+                          <a:spcPct val="100000"/>
+                        </a:lnSpc>
+                        <a:spcBef>
+                          <a:spcPts val="0"/>
+                        </a:spcBef>
+                        <a:spcAft>
+                          <a:spcPts val="0"/>
+                        </a:spcAft>
+                        <a:buClrTx/>
+                        <a:buSzTx/>
+                        <a:buFontTx/>
+                        <a:buNone/>
+                        <a:tabLst/>
+                        <a:defRPr/>
+                      </a:pPr>
+                      <a:r>
+                        <a:rPr lang="pt-BR" dirty="0"/>
+                        <a:t>Resolver o problema do usuário de forma polida e ágil</a:t>
+                      </a:r>
+                      <a:endParaRPr lang="en-US" dirty="0"/>
+                    </a:p>
+                  </a:txBody>
+                  <a:tcPr anchor="ctr"/>
+                </a:tc>
+                <a:tc>
+                  <a:txBody>
+                    <a:bodyPr/>
+                    <a:lstStyle/>
+                    <a:p>
+                      <a:pPr algn="ctr"/>
+                      <a:r>
+                        <a:rPr lang="pt-BR" dirty="0"/>
+                        <a:t>Rapidez e consistência nas respostas</a:t>
+                      </a:r>
+                      <a:endParaRPr lang="en-US" dirty="0"/>
+                    </a:p>
+                  </a:txBody>
+                  <a:tcPr anchor="ctr"/>
+                </a:tc>
+                <a:tc>
+                  <a:txBody>
+                    <a:bodyPr/>
+                    <a:lstStyle/>
+                    <a:p>
+                      <a:pPr algn="ctr"/>
+                      <a:r>
+                        <a:rPr lang="pt-BR" dirty="0"/>
+                        <a:t>Fazer perguntas cada vez mais específicas, de acordo com a quantidade de detalhes que o usuário passar</a:t>
+                      </a:r>
+                      <a:endParaRPr lang="en-US" dirty="0"/>
+                    </a:p>
+                  </a:txBody>
+                  <a:tcPr anchor="ctr"/>
+                </a:tc>
+                <a:tc>
+                  <a:txBody>
+                    <a:bodyPr/>
+                    <a:lstStyle/>
+                    <a:p>
+                      <a:pPr algn="ctr"/>
+                      <a:r>
+                        <a:rPr lang="pt-BR" dirty="0"/>
+                        <a:t>?</a:t>
+                      </a:r>
+                      <a:endParaRPr lang="en-US" dirty="0"/>
+                    </a:p>
+                  </a:txBody>
+                  <a:tcPr anchor="ctr"/>
+                </a:tc>
+                <a:extLst>
+                  <a:ext uri="{0D108BD9-81ED-4DB2-BD59-A6C34878D82A}">
+                    <a16:rowId xmlns:a16="http://schemas.microsoft.com/office/drawing/2014/main" val="268423013"/>
+                  </a:ext>
+                </a:extLst>
+              </a:tr>
+            </a:tbl>
+          </a:graphicData>
+        </a:graphic>
+      </p:graphicFrame>
     </p:spTree>
     <p:extLst>
       <p:ext uri="{BB962C8B-B14F-4D97-AF65-F5344CB8AC3E}">
-        <p14:creationId xmlns:p14="http://schemas.microsoft.com/office/powerpoint/2010/main" val="3541909098"/>
+        <p14:creationId xmlns:p14="http://schemas.microsoft.com/office/powerpoint/2010/main" val="2100591301"/>
       </p:ext>
     </p:extLst>
   </p:cSld>
@@ -4462,7 +4524,7 @@
         <p:spPr>
           <a:xfrm>
             <a:off x="368048" y="246743"/>
-            <a:ext cx="3243196" cy="769441"/>
+            <a:ext cx="1544012" cy="769441"/>
           </a:xfrm>
           <a:prstGeom prst="rect">
             <a:avLst/>
@@ -4476,48 +4538,27 @@
           <a:lstStyle/>
           <a:p>
             <a:r>
-              <a:rPr lang="pt-BR" sz="4400" b="1" dirty="0" smtClean="0">
+              <a:rPr lang="pt-BR" sz="4400" b="1" dirty="0">
                 <a:ln w="0"/>
                 <a:solidFill>
                   <a:schemeClr val="accent1"/>
                 </a:solidFill>
                 <a:latin typeface="Lucida Console" panose="020B0609040504020204" pitchFamily="49" charset="0"/>
               </a:rPr>
-              <a:t>[</a:t>
-            </a:r>
-            <a:r>
-              <a:rPr lang="pt-BR" sz="4400" b="1" dirty="0" err="1" smtClean="0">
-                <a:ln w="0"/>
-                <a:solidFill>
-                  <a:schemeClr val="accent1"/>
-                </a:solidFill>
-                <a:latin typeface="Lucida Console" panose="020B0609040504020204" pitchFamily="49" charset="0"/>
-              </a:rPr>
-              <a:t>Chatbot</a:t>
-            </a:r>
-            <a:r>
-              <a:rPr lang="pt-BR" sz="4400" b="1" dirty="0" smtClean="0">
-                <a:ln w="0"/>
-                <a:solidFill>
-                  <a:schemeClr val="accent1"/>
-                </a:solidFill>
-                <a:latin typeface="Lucida Console" panose="020B0609040504020204" pitchFamily="49" charset="0"/>
-              </a:rPr>
-              <a:t>]</a:t>
-            </a:r>
-            <a:endParaRPr lang="pt-BR" sz="4400" b="1" dirty="0">
-              <a:ln w="0"/>
-              <a:solidFill>
-                <a:schemeClr val="accent1"/>
-              </a:solidFill>
-              <a:latin typeface="Lucida Console" panose="020B0609040504020204" pitchFamily="49" charset="0"/>
-            </a:endParaRPr>
-          </a:p>
-        </p:txBody>
-      </p:sp>
-      <p:sp>
-        <p:nvSpPr>
-          <p:cNvPr id="5" name="Espaço Reservado para Conteúdo 2"/>
+              <a:t>[IA]</a:t>
+            </a:r>
+          </a:p>
+        </p:txBody>
+      </p:sp>
+      <p:sp>
+        <p:nvSpPr>
+          <p:cNvPr id="3" name="Espaço Reservado para Conteúdo 2">
+            <a:extLst>
+              <a:ext uri="{FF2B5EF4-FFF2-40B4-BE49-F238E27FC236}">
+                <a16:creationId xmlns:a16="http://schemas.microsoft.com/office/drawing/2014/main" id="{D640D001-3256-485A-ACC7-8A520E919054}"/>
+              </a:ext>
+            </a:extLst>
+          </p:cNvPr>
           <p:cNvSpPr>
             <a:spLocks noGrp="1"/>
           </p:cNvSpPr>
@@ -4528,13 +4569,50 @@
         <p:spPr>
           <a:xfrm>
             <a:off x="838200" y="1825625"/>
-            <a:ext cx="5755105" cy="4351338"/>
+            <a:ext cx="10471484" cy="1029870"/>
           </a:xfrm>
         </p:spPr>
         <p:txBody>
-          <a:bodyPr/>
-          <a:lstStyle/>
-          <a:p>
+          <a:bodyPr>
+            <a:normAutofit/>
+          </a:bodyPr>
+          <a:lstStyle/>
+          <a:p>
+            <a:r>
+              <a:rPr lang="pt-BR" dirty="0">
+                <a:solidFill>
+                  <a:schemeClr val="accent1">
+                    <a:lumMod val="50000"/>
+                  </a:schemeClr>
+                </a:solidFill>
+              </a:rPr>
+              <a:t>Função: Fornecer ao </a:t>
+            </a:r>
+            <a:r>
+              <a:rPr lang="pt-BR" dirty="0" err="1">
+                <a:solidFill>
+                  <a:schemeClr val="accent1">
+                    <a:lumMod val="50000"/>
+                  </a:schemeClr>
+                </a:solidFill>
+              </a:rPr>
+              <a:t>chatbot</a:t>
+            </a:r>
+            <a:r>
+              <a:rPr lang="pt-BR" dirty="0">
+                <a:solidFill>
+                  <a:schemeClr val="accent1">
+                    <a:lumMod val="50000"/>
+                  </a:schemeClr>
+                </a:solidFill>
+              </a:rPr>
+              <a:t> informações para serem exibidas para o usuário e aprender com os atendentes</a:t>
+            </a:r>
+          </a:p>
+          <a:p>
+            <a:pPr marL="0" indent="0">
+              <a:buNone/>
+            </a:pPr>
             <a:endParaRPr lang="pt-BR" dirty="0">
               <a:solidFill>
                 <a:schemeClr val="accent1">
@@ -4547,42 +4625,496 @@
       </p:sp>
       <p:sp>
         <p:nvSpPr>
-          <p:cNvPr id="6" name="CaixaDeTexto 5"/>
-          <p:cNvSpPr txBox="1"/>
+          <p:cNvPr id="6" name="Espaço Reservado para Conteúdo 2">
+            <a:extLst>
+              <a:ext uri="{FF2B5EF4-FFF2-40B4-BE49-F238E27FC236}">
+                <a16:creationId xmlns:a16="http://schemas.microsoft.com/office/drawing/2014/main" id="{FE48F125-1876-470B-B5F7-C18F2622B8FC}"/>
+              </a:ext>
+            </a:extLst>
+          </p:cNvPr>
+          <p:cNvSpPr txBox="1">
+            <a:spLocks/>
+          </p:cNvSpPr>
           <p:nvPr/>
         </p:nvSpPr>
         <p:spPr>
           <a:xfrm>
-            <a:off x="7411453" y="1825625"/>
-            <a:ext cx="4170947" cy="369332"/>
+            <a:off x="838200" y="2899611"/>
+            <a:ext cx="5001126" cy="3324726"/>
           </a:xfrm>
           <a:prstGeom prst="rect">
             <a:avLst/>
           </a:prstGeom>
-          <a:noFill/>
         </p:spPr>
         <p:txBody>
-          <a:bodyPr wrap="square" rtlCol="0">
-            <a:spAutoFit/>
+          <a:bodyPr vert="horz" lIns="91440" tIns="45720" rIns="91440" bIns="45720" rtlCol="0">
+            <a:normAutofit fontScale="85000" lnSpcReduction="20000"/>
           </a:bodyPr>
-          <a:lstStyle/>
-          <a:p>
-            <a:r>
-              <a:rPr lang="pt-BR" dirty="0" smtClean="0"/>
-              <a:t>Imagem de exemplo do </a:t>
-            </a:r>
-            <a:r>
-              <a:rPr lang="pt-BR" dirty="0" err="1" smtClean="0"/>
-              <a:t>chatbot</a:t>
-            </a:r>
-            <a:endParaRPr lang="pt-BR" dirty="0"/>
+          <a:lstStyle>
+            <a:lvl1pPr marL="228600" indent="-228600" algn="l" defTabSz="914400" rtl="0" eaLnBrk="1" latinLnBrk="0" hangingPunct="1">
+              <a:lnSpc>
+                <a:spcPct val="90000"/>
+              </a:lnSpc>
+              <a:spcBef>
+                <a:spcPts val="1000"/>
+              </a:spcBef>
+              <a:buFont typeface="Arial" panose="020B0604020202020204" pitchFamily="34" charset="0"/>
+              <a:buChar char="•"/>
+              <a:defRPr sz="2800" kern="1200">
+                <a:solidFill>
+                  <a:schemeClr val="tx1"/>
+                </a:solidFill>
+                <a:latin typeface="+mn-lt"/>
+                <a:ea typeface="+mn-ea"/>
+                <a:cs typeface="+mn-cs"/>
+              </a:defRPr>
+            </a:lvl1pPr>
+            <a:lvl2pPr marL="685800" indent="-228600" algn="l" defTabSz="914400" rtl="0" eaLnBrk="1" latinLnBrk="0" hangingPunct="1">
+              <a:lnSpc>
+                <a:spcPct val="90000"/>
+              </a:lnSpc>
+              <a:spcBef>
+                <a:spcPts val="500"/>
+              </a:spcBef>
+              <a:buFont typeface="Arial" panose="020B0604020202020204" pitchFamily="34" charset="0"/>
+              <a:buChar char="•"/>
+              <a:defRPr sz="2400" kern="1200">
+                <a:solidFill>
+                  <a:schemeClr val="tx1"/>
+                </a:solidFill>
+                <a:latin typeface="+mn-lt"/>
+                <a:ea typeface="+mn-ea"/>
+                <a:cs typeface="+mn-cs"/>
+              </a:defRPr>
+            </a:lvl2pPr>
+            <a:lvl3pPr marL="1143000" indent="-228600" algn="l" defTabSz="914400" rtl="0" eaLnBrk="1" latinLnBrk="0" hangingPunct="1">
+              <a:lnSpc>
+                <a:spcPct val="90000"/>
+              </a:lnSpc>
+              <a:spcBef>
+                <a:spcPts val="500"/>
+              </a:spcBef>
+              <a:buFont typeface="Arial" panose="020B0604020202020204" pitchFamily="34" charset="0"/>
+              <a:buChar char="•"/>
+              <a:defRPr sz="2000" kern="1200">
+                <a:solidFill>
+                  <a:schemeClr val="tx1"/>
+                </a:solidFill>
+                <a:latin typeface="+mn-lt"/>
+                <a:ea typeface="+mn-ea"/>
+                <a:cs typeface="+mn-cs"/>
+              </a:defRPr>
+            </a:lvl3pPr>
+            <a:lvl4pPr marL="1600200" indent="-228600" algn="l" defTabSz="914400" rtl="0" eaLnBrk="1" latinLnBrk="0" hangingPunct="1">
+              <a:lnSpc>
+                <a:spcPct val="90000"/>
+              </a:lnSpc>
+              <a:spcBef>
+                <a:spcPts val="500"/>
+              </a:spcBef>
+              <a:buFont typeface="Arial" panose="020B0604020202020204" pitchFamily="34" charset="0"/>
+              <a:buChar char="•"/>
+              <a:defRPr sz="1800" kern="1200">
+                <a:solidFill>
+                  <a:schemeClr val="tx1"/>
+                </a:solidFill>
+                <a:latin typeface="+mn-lt"/>
+                <a:ea typeface="+mn-ea"/>
+                <a:cs typeface="+mn-cs"/>
+              </a:defRPr>
+            </a:lvl4pPr>
+            <a:lvl5pPr marL="2057400" indent="-228600" algn="l" defTabSz="914400" rtl="0" eaLnBrk="1" latinLnBrk="0" hangingPunct="1">
+              <a:lnSpc>
+                <a:spcPct val="90000"/>
+              </a:lnSpc>
+              <a:spcBef>
+                <a:spcPts val="500"/>
+              </a:spcBef>
+              <a:buFont typeface="Arial" panose="020B0604020202020204" pitchFamily="34" charset="0"/>
+              <a:buChar char="•"/>
+              <a:defRPr sz="1800" kern="1200">
+                <a:solidFill>
+                  <a:schemeClr val="tx1"/>
+                </a:solidFill>
+                <a:latin typeface="+mn-lt"/>
+                <a:ea typeface="+mn-ea"/>
+                <a:cs typeface="+mn-cs"/>
+              </a:defRPr>
+            </a:lvl5pPr>
+            <a:lvl6pPr marL="2514600" indent="-228600" algn="l" defTabSz="914400" rtl="0" eaLnBrk="1" latinLnBrk="0" hangingPunct="1">
+              <a:lnSpc>
+                <a:spcPct val="90000"/>
+              </a:lnSpc>
+              <a:spcBef>
+                <a:spcPts val="500"/>
+              </a:spcBef>
+              <a:buFont typeface="Arial" panose="020B0604020202020204" pitchFamily="34" charset="0"/>
+              <a:buChar char="•"/>
+              <a:defRPr sz="1800" kern="1200">
+                <a:solidFill>
+                  <a:schemeClr val="tx1"/>
+                </a:solidFill>
+                <a:latin typeface="+mn-lt"/>
+                <a:ea typeface="+mn-ea"/>
+                <a:cs typeface="+mn-cs"/>
+              </a:defRPr>
+            </a:lvl6pPr>
+            <a:lvl7pPr marL="2971800" indent="-228600" algn="l" defTabSz="914400" rtl="0" eaLnBrk="1" latinLnBrk="0" hangingPunct="1">
+              <a:lnSpc>
+                <a:spcPct val="90000"/>
+              </a:lnSpc>
+              <a:spcBef>
+                <a:spcPts val="500"/>
+              </a:spcBef>
+              <a:buFont typeface="Arial" panose="020B0604020202020204" pitchFamily="34" charset="0"/>
+              <a:buChar char="•"/>
+              <a:defRPr sz="1800" kern="1200">
+                <a:solidFill>
+                  <a:schemeClr val="tx1"/>
+                </a:solidFill>
+                <a:latin typeface="+mn-lt"/>
+                <a:ea typeface="+mn-ea"/>
+                <a:cs typeface="+mn-cs"/>
+              </a:defRPr>
+            </a:lvl7pPr>
+            <a:lvl8pPr marL="3429000" indent="-228600" algn="l" defTabSz="914400" rtl="0" eaLnBrk="1" latinLnBrk="0" hangingPunct="1">
+              <a:lnSpc>
+                <a:spcPct val="90000"/>
+              </a:lnSpc>
+              <a:spcBef>
+                <a:spcPts val="500"/>
+              </a:spcBef>
+              <a:buFont typeface="Arial" panose="020B0604020202020204" pitchFamily="34" charset="0"/>
+              <a:buChar char="•"/>
+              <a:defRPr sz="1800" kern="1200">
+                <a:solidFill>
+                  <a:schemeClr val="tx1"/>
+                </a:solidFill>
+                <a:latin typeface="+mn-lt"/>
+                <a:ea typeface="+mn-ea"/>
+                <a:cs typeface="+mn-cs"/>
+              </a:defRPr>
+            </a:lvl8pPr>
+            <a:lvl9pPr marL="3886200" indent="-228600" algn="l" defTabSz="914400" rtl="0" eaLnBrk="1" latinLnBrk="0" hangingPunct="1">
+              <a:lnSpc>
+                <a:spcPct val="90000"/>
+              </a:lnSpc>
+              <a:spcBef>
+                <a:spcPts val="500"/>
+              </a:spcBef>
+              <a:buFont typeface="Arial" panose="020B0604020202020204" pitchFamily="34" charset="0"/>
+              <a:buChar char="•"/>
+              <a:defRPr sz="1800" kern="1200">
+                <a:solidFill>
+                  <a:schemeClr val="tx1"/>
+                </a:solidFill>
+                <a:latin typeface="+mn-lt"/>
+                <a:ea typeface="+mn-ea"/>
+                <a:cs typeface="+mn-cs"/>
+              </a:defRPr>
+            </a:lvl9pPr>
+          </a:lstStyle>
+          <a:p>
+            <a:r>
+              <a:rPr lang="pt-BR" dirty="0">
+                <a:solidFill>
+                  <a:schemeClr val="accent1">
+                    <a:lumMod val="50000"/>
+                  </a:schemeClr>
+                </a:solidFill>
+              </a:rPr>
+              <a:t>Receber a mensagem do usuário</a:t>
+            </a:r>
+          </a:p>
+          <a:p>
+            <a:r>
+              <a:rPr lang="pt-BR" dirty="0">
+                <a:solidFill>
+                  <a:schemeClr val="accent1">
+                    <a:lumMod val="50000"/>
+                  </a:schemeClr>
+                </a:solidFill>
+              </a:rPr>
+              <a:t>Tratar todas as palavras digitadas pelo usuário</a:t>
+            </a:r>
+          </a:p>
+          <a:p>
+            <a:r>
+              <a:rPr lang="pt-BR" dirty="0">
+                <a:solidFill>
+                  <a:schemeClr val="accent1">
+                    <a:lumMod val="50000"/>
+                  </a:schemeClr>
+                </a:solidFill>
+              </a:rPr>
+              <a:t>Caso alguma não tenha sido localizada no dicionário de sinônimos, sinalizar para tradução manual</a:t>
+            </a:r>
+          </a:p>
+          <a:p>
+            <a:r>
+              <a:rPr lang="pt-BR" dirty="0">
+                <a:solidFill>
+                  <a:schemeClr val="accent1">
+                    <a:lumMod val="50000"/>
+                  </a:schemeClr>
+                </a:solidFill>
+              </a:rPr>
+              <a:t>Filtrar as palavras-chave</a:t>
+            </a:r>
+          </a:p>
+          <a:p>
+            <a:r>
+              <a:rPr lang="pt-BR" dirty="0">
+                <a:solidFill>
+                  <a:schemeClr val="accent1">
+                    <a:lumMod val="50000"/>
+                  </a:schemeClr>
+                </a:solidFill>
+              </a:rPr>
+              <a:t>Usá-las na busca pela resposta ou próxima pergunta</a:t>
+            </a:r>
+          </a:p>
+          <a:p>
+            <a:endParaRPr lang="pt-BR" dirty="0">
+              <a:solidFill>
+                <a:schemeClr val="accent1">
+                  <a:lumMod val="50000"/>
+                </a:schemeClr>
+              </a:solidFill>
+            </a:endParaRPr>
+          </a:p>
+        </p:txBody>
+      </p:sp>
+      <p:sp>
+        <p:nvSpPr>
+          <p:cNvPr id="7" name="Espaço Reservado para Conteúdo 2">
+            <a:extLst>
+              <a:ext uri="{FF2B5EF4-FFF2-40B4-BE49-F238E27FC236}">
+                <a16:creationId xmlns:a16="http://schemas.microsoft.com/office/drawing/2014/main" id="{3970B477-94E6-479B-A505-8D808644A876}"/>
+              </a:ext>
+            </a:extLst>
+          </p:cNvPr>
+          <p:cNvSpPr txBox="1">
+            <a:spLocks/>
+          </p:cNvSpPr>
+          <p:nvPr/>
+        </p:nvSpPr>
+        <p:spPr>
+          <a:xfrm>
+            <a:off x="6352676" y="2855495"/>
+            <a:ext cx="5001126" cy="3324726"/>
+          </a:xfrm>
+          <a:prstGeom prst="rect">
+            <a:avLst/>
+          </a:prstGeom>
+        </p:spPr>
+        <p:txBody>
+          <a:bodyPr vert="horz" lIns="91440" tIns="45720" rIns="91440" bIns="45720" rtlCol="0">
+            <a:normAutofit fontScale="92500" lnSpcReduction="20000"/>
+          </a:bodyPr>
+          <a:lstStyle>
+            <a:lvl1pPr marL="228600" indent="-228600" algn="l" defTabSz="914400" rtl="0" eaLnBrk="1" latinLnBrk="0" hangingPunct="1">
+              <a:lnSpc>
+                <a:spcPct val="90000"/>
+              </a:lnSpc>
+              <a:spcBef>
+                <a:spcPts val="1000"/>
+              </a:spcBef>
+              <a:buFont typeface="Arial" panose="020B0604020202020204" pitchFamily="34" charset="0"/>
+              <a:buChar char="•"/>
+              <a:defRPr sz="2800" kern="1200">
+                <a:solidFill>
+                  <a:schemeClr val="tx1"/>
+                </a:solidFill>
+                <a:latin typeface="+mn-lt"/>
+                <a:ea typeface="+mn-ea"/>
+                <a:cs typeface="+mn-cs"/>
+              </a:defRPr>
+            </a:lvl1pPr>
+            <a:lvl2pPr marL="685800" indent="-228600" algn="l" defTabSz="914400" rtl="0" eaLnBrk="1" latinLnBrk="0" hangingPunct="1">
+              <a:lnSpc>
+                <a:spcPct val="90000"/>
+              </a:lnSpc>
+              <a:spcBef>
+                <a:spcPts val="500"/>
+              </a:spcBef>
+              <a:buFont typeface="Arial" panose="020B0604020202020204" pitchFamily="34" charset="0"/>
+              <a:buChar char="•"/>
+              <a:defRPr sz="2400" kern="1200">
+                <a:solidFill>
+                  <a:schemeClr val="tx1"/>
+                </a:solidFill>
+                <a:latin typeface="+mn-lt"/>
+                <a:ea typeface="+mn-ea"/>
+                <a:cs typeface="+mn-cs"/>
+              </a:defRPr>
+            </a:lvl2pPr>
+            <a:lvl3pPr marL="1143000" indent="-228600" algn="l" defTabSz="914400" rtl="0" eaLnBrk="1" latinLnBrk="0" hangingPunct="1">
+              <a:lnSpc>
+                <a:spcPct val="90000"/>
+              </a:lnSpc>
+              <a:spcBef>
+                <a:spcPts val="500"/>
+              </a:spcBef>
+              <a:buFont typeface="Arial" panose="020B0604020202020204" pitchFamily="34" charset="0"/>
+              <a:buChar char="•"/>
+              <a:defRPr sz="2000" kern="1200">
+                <a:solidFill>
+                  <a:schemeClr val="tx1"/>
+                </a:solidFill>
+                <a:latin typeface="+mn-lt"/>
+                <a:ea typeface="+mn-ea"/>
+                <a:cs typeface="+mn-cs"/>
+              </a:defRPr>
+            </a:lvl3pPr>
+            <a:lvl4pPr marL="1600200" indent="-228600" algn="l" defTabSz="914400" rtl="0" eaLnBrk="1" latinLnBrk="0" hangingPunct="1">
+              <a:lnSpc>
+                <a:spcPct val="90000"/>
+              </a:lnSpc>
+              <a:spcBef>
+                <a:spcPts val="500"/>
+              </a:spcBef>
+              <a:buFont typeface="Arial" panose="020B0604020202020204" pitchFamily="34" charset="0"/>
+              <a:buChar char="•"/>
+              <a:defRPr sz="1800" kern="1200">
+                <a:solidFill>
+                  <a:schemeClr val="tx1"/>
+                </a:solidFill>
+                <a:latin typeface="+mn-lt"/>
+                <a:ea typeface="+mn-ea"/>
+                <a:cs typeface="+mn-cs"/>
+              </a:defRPr>
+            </a:lvl4pPr>
+            <a:lvl5pPr marL="2057400" indent="-228600" algn="l" defTabSz="914400" rtl="0" eaLnBrk="1" latinLnBrk="0" hangingPunct="1">
+              <a:lnSpc>
+                <a:spcPct val="90000"/>
+              </a:lnSpc>
+              <a:spcBef>
+                <a:spcPts val="500"/>
+              </a:spcBef>
+              <a:buFont typeface="Arial" panose="020B0604020202020204" pitchFamily="34" charset="0"/>
+              <a:buChar char="•"/>
+              <a:defRPr sz="1800" kern="1200">
+                <a:solidFill>
+                  <a:schemeClr val="tx1"/>
+                </a:solidFill>
+                <a:latin typeface="+mn-lt"/>
+                <a:ea typeface="+mn-ea"/>
+                <a:cs typeface="+mn-cs"/>
+              </a:defRPr>
+            </a:lvl5pPr>
+            <a:lvl6pPr marL="2514600" indent="-228600" algn="l" defTabSz="914400" rtl="0" eaLnBrk="1" latinLnBrk="0" hangingPunct="1">
+              <a:lnSpc>
+                <a:spcPct val="90000"/>
+              </a:lnSpc>
+              <a:spcBef>
+                <a:spcPts val="500"/>
+              </a:spcBef>
+              <a:buFont typeface="Arial" panose="020B0604020202020204" pitchFamily="34" charset="0"/>
+              <a:buChar char="•"/>
+              <a:defRPr sz="1800" kern="1200">
+                <a:solidFill>
+                  <a:schemeClr val="tx1"/>
+                </a:solidFill>
+                <a:latin typeface="+mn-lt"/>
+                <a:ea typeface="+mn-ea"/>
+                <a:cs typeface="+mn-cs"/>
+              </a:defRPr>
+            </a:lvl6pPr>
+            <a:lvl7pPr marL="2971800" indent="-228600" algn="l" defTabSz="914400" rtl="0" eaLnBrk="1" latinLnBrk="0" hangingPunct="1">
+              <a:lnSpc>
+                <a:spcPct val="90000"/>
+              </a:lnSpc>
+              <a:spcBef>
+                <a:spcPts val="500"/>
+              </a:spcBef>
+              <a:buFont typeface="Arial" panose="020B0604020202020204" pitchFamily="34" charset="0"/>
+              <a:buChar char="•"/>
+              <a:defRPr sz="1800" kern="1200">
+                <a:solidFill>
+                  <a:schemeClr val="tx1"/>
+                </a:solidFill>
+                <a:latin typeface="+mn-lt"/>
+                <a:ea typeface="+mn-ea"/>
+                <a:cs typeface="+mn-cs"/>
+              </a:defRPr>
+            </a:lvl7pPr>
+            <a:lvl8pPr marL="3429000" indent="-228600" algn="l" defTabSz="914400" rtl="0" eaLnBrk="1" latinLnBrk="0" hangingPunct="1">
+              <a:lnSpc>
+                <a:spcPct val="90000"/>
+              </a:lnSpc>
+              <a:spcBef>
+                <a:spcPts val="500"/>
+              </a:spcBef>
+              <a:buFont typeface="Arial" panose="020B0604020202020204" pitchFamily="34" charset="0"/>
+              <a:buChar char="•"/>
+              <a:defRPr sz="1800" kern="1200">
+                <a:solidFill>
+                  <a:schemeClr val="tx1"/>
+                </a:solidFill>
+                <a:latin typeface="+mn-lt"/>
+                <a:ea typeface="+mn-ea"/>
+                <a:cs typeface="+mn-cs"/>
+              </a:defRPr>
+            </a:lvl8pPr>
+            <a:lvl9pPr marL="3886200" indent="-228600" algn="l" defTabSz="914400" rtl="0" eaLnBrk="1" latinLnBrk="0" hangingPunct="1">
+              <a:lnSpc>
+                <a:spcPct val="90000"/>
+              </a:lnSpc>
+              <a:spcBef>
+                <a:spcPts val="500"/>
+              </a:spcBef>
+              <a:buFont typeface="Arial" panose="020B0604020202020204" pitchFamily="34" charset="0"/>
+              <a:buChar char="•"/>
+              <a:defRPr sz="1800" kern="1200">
+                <a:solidFill>
+                  <a:schemeClr val="tx1"/>
+                </a:solidFill>
+                <a:latin typeface="+mn-lt"/>
+                <a:ea typeface="+mn-ea"/>
+                <a:cs typeface="+mn-cs"/>
+              </a:defRPr>
+            </a:lvl9pPr>
+          </a:lstStyle>
+          <a:p>
+            <a:r>
+              <a:rPr lang="pt-BR" dirty="0">
+                <a:solidFill>
+                  <a:schemeClr val="accent1">
+                    <a:lumMod val="50000"/>
+                  </a:schemeClr>
+                </a:solidFill>
+              </a:rPr>
+              <a:t>Caso uma resposta tenha sido encontrada, enviá-la para apreciação do usuário, caso contrário, uma pergunta mais específica deve ser feita</a:t>
+            </a:r>
+          </a:p>
+          <a:p>
+            <a:r>
+              <a:rPr lang="pt-BR" dirty="0">
+                <a:solidFill>
+                  <a:schemeClr val="accent1">
+                    <a:lumMod val="50000"/>
+                  </a:schemeClr>
+                </a:solidFill>
+              </a:rPr>
+              <a:t>O processo anterior será repetido até que as perguntas pertinentes já tenham sido feitas ou uma resposta satisfatória tenha sido marcada pelo usuário</a:t>
+            </a:r>
+          </a:p>
+          <a:p>
+            <a:endParaRPr lang="pt-BR" dirty="0">
+              <a:solidFill>
+                <a:schemeClr val="accent1">
+                  <a:lumMod val="50000"/>
+                </a:schemeClr>
+              </a:solidFill>
+            </a:endParaRPr>
           </a:p>
         </p:txBody>
       </p:sp>
     </p:spTree>
     <p:extLst>
       <p:ext uri="{BB962C8B-B14F-4D97-AF65-F5344CB8AC3E}">
-        <p14:creationId xmlns:p14="http://schemas.microsoft.com/office/powerpoint/2010/main" val="2100591301"/>
+        <p14:creationId xmlns:p14="http://schemas.microsoft.com/office/powerpoint/2010/main" val="1069095403"/>
       </p:ext>
     </p:extLst>
   </p:cSld>
@@ -4595,6 +5127,20 @@
 <file path=ppt/slides/slide6.xml><?xml version="1.0" encoding="utf-8"?>
 <p:sld xmlns:a="http://schemas.openxmlformats.org/drawingml/2006/main" xmlns:r="http://schemas.openxmlformats.org/officeDocument/2006/relationships" xmlns:p="http://schemas.openxmlformats.org/presentationml/2006/main">
   <p:cSld>
+    <p:bg>
+      <p:bgPr>
+        <a:blipFill dpi="0" rotWithShape="1">
+          <a:blip r:embed="rId2">
+            <a:lum/>
+          </a:blip>
+          <a:srcRect/>
+          <a:stretch>
+            <a:fillRect/>
+          </a:stretch>
+        </a:blipFill>
+        <a:effectLst/>
+      </p:bgPr>
+    </p:bg>
     <p:spTree>
       <p:nvGrpSpPr>
         <p:cNvPr id="1" name=""/>
@@ -4618,7 +5164,7 @@
         <p:spPr>
           <a:xfrm>
             <a:off x="368048" y="246743"/>
-            <a:ext cx="1544012" cy="769441"/>
+            <a:ext cx="4262705" cy="769441"/>
           </a:xfrm>
           <a:prstGeom prst="rect">
             <a:avLst/>
@@ -4632,21 +5178,533 @@
           <a:lstStyle/>
           <a:p>
             <a:r>
-              <a:rPr lang="pt-BR" sz="4400" b="1" dirty="0" smtClean="0">
+              <a:rPr lang="pt-BR" sz="4400" b="1" dirty="0">
                 <a:ln w="0"/>
                 <a:solidFill>
                   <a:schemeClr val="accent1"/>
                 </a:solidFill>
                 <a:latin typeface="Lucida Console" panose="020B0609040504020204" pitchFamily="49" charset="0"/>
               </a:rPr>
-              <a:t>[IA]</a:t>
-            </a:r>
-            <a:endParaRPr lang="pt-BR" sz="4400" b="1" dirty="0">
-              <a:ln w="0"/>
+              <a:t>[</a:t>
+            </a:r>
+            <a:r>
+              <a:rPr lang="pt-BR" sz="4400" b="1" dirty="0" err="1">
+                <a:ln w="0"/>
+                <a:solidFill>
+                  <a:schemeClr val="accent1"/>
+                </a:solidFill>
+                <a:latin typeface="Lucida Console" panose="020B0609040504020204" pitchFamily="49" charset="0"/>
+              </a:rPr>
+              <a:t>Portal_WEB</a:t>
+            </a:r>
+            <a:r>
+              <a:rPr lang="pt-BR" sz="4400" b="1" dirty="0">
+                <a:ln w="0"/>
+                <a:solidFill>
+                  <a:schemeClr val="accent1"/>
+                </a:solidFill>
+                <a:latin typeface="Lucida Console" panose="020B0609040504020204" pitchFamily="49" charset="0"/>
+              </a:rPr>
+              <a:t>]</a:t>
+            </a:r>
+          </a:p>
+        </p:txBody>
+      </p:sp>
+      <p:sp>
+        <p:nvSpPr>
+          <p:cNvPr id="6" name="Espaço Reservado para Conteúdo 2">
+            <a:extLst>
+              <a:ext uri="{FF2B5EF4-FFF2-40B4-BE49-F238E27FC236}">
+                <a16:creationId xmlns:a16="http://schemas.microsoft.com/office/drawing/2014/main" id="{39D2613F-D2EE-4FAC-86C9-3DADBF2A9068}"/>
+              </a:ext>
+            </a:extLst>
+          </p:cNvPr>
+          <p:cNvSpPr txBox="1">
+            <a:spLocks/>
+          </p:cNvSpPr>
+          <p:nvPr/>
+        </p:nvSpPr>
+        <p:spPr>
+          <a:xfrm>
+            <a:off x="368048" y="1600201"/>
+            <a:ext cx="5001126" cy="3324726"/>
+          </a:xfrm>
+          <a:prstGeom prst="rect">
+            <a:avLst/>
+          </a:prstGeom>
+        </p:spPr>
+        <p:txBody>
+          <a:bodyPr vert="horz" lIns="91440" tIns="45720" rIns="91440" bIns="45720" rtlCol="0">
+            <a:normAutofit/>
+          </a:bodyPr>
+          <a:lstStyle>
+            <a:lvl1pPr marL="228600" indent="-228600" algn="l" defTabSz="914400" rtl="0" eaLnBrk="1" latinLnBrk="0" hangingPunct="1">
+              <a:lnSpc>
+                <a:spcPct val="90000"/>
+              </a:lnSpc>
+              <a:spcBef>
+                <a:spcPts val="1000"/>
+              </a:spcBef>
+              <a:buFont typeface="Arial" panose="020B0604020202020204" pitchFamily="34" charset="0"/>
+              <a:buChar char="•"/>
+              <a:defRPr sz="2800" kern="1200">
+                <a:solidFill>
+                  <a:schemeClr val="tx1"/>
+                </a:solidFill>
+                <a:latin typeface="+mn-lt"/>
+                <a:ea typeface="+mn-ea"/>
+                <a:cs typeface="+mn-cs"/>
+              </a:defRPr>
+            </a:lvl1pPr>
+            <a:lvl2pPr marL="685800" indent="-228600" algn="l" defTabSz="914400" rtl="0" eaLnBrk="1" latinLnBrk="0" hangingPunct="1">
+              <a:lnSpc>
+                <a:spcPct val="90000"/>
+              </a:lnSpc>
+              <a:spcBef>
+                <a:spcPts val="500"/>
+              </a:spcBef>
+              <a:buFont typeface="Arial" panose="020B0604020202020204" pitchFamily="34" charset="0"/>
+              <a:buChar char="•"/>
+              <a:defRPr sz="2400" kern="1200">
+                <a:solidFill>
+                  <a:schemeClr val="tx1"/>
+                </a:solidFill>
+                <a:latin typeface="+mn-lt"/>
+                <a:ea typeface="+mn-ea"/>
+                <a:cs typeface="+mn-cs"/>
+              </a:defRPr>
+            </a:lvl2pPr>
+            <a:lvl3pPr marL="1143000" indent="-228600" algn="l" defTabSz="914400" rtl="0" eaLnBrk="1" latinLnBrk="0" hangingPunct="1">
+              <a:lnSpc>
+                <a:spcPct val="90000"/>
+              </a:lnSpc>
+              <a:spcBef>
+                <a:spcPts val="500"/>
+              </a:spcBef>
+              <a:buFont typeface="Arial" panose="020B0604020202020204" pitchFamily="34" charset="0"/>
+              <a:buChar char="•"/>
+              <a:defRPr sz="2000" kern="1200">
+                <a:solidFill>
+                  <a:schemeClr val="tx1"/>
+                </a:solidFill>
+                <a:latin typeface="+mn-lt"/>
+                <a:ea typeface="+mn-ea"/>
+                <a:cs typeface="+mn-cs"/>
+              </a:defRPr>
+            </a:lvl3pPr>
+            <a:lvl4pPr marL="1600200" indent="-228600" algn="l" defTabSz="914400" rtl="0" eaLnBrk="1" latinLnBrk="0" hangingPunct="1">
+              <a:lnSpc>
+                <a:spcPct val="90000"/>
+              </a:lnSpc>
+              <a:spcBef>
+                <a:spcPts val="500"/>
+              </a:spcBef>
+              <a:buFont typeface="Arial" panose="020B0604020202020204" pitchFamily="34" charset="0"/>
+              <a:buChar char="•"/>
+              <a:defRPr sz="1800" kern="1200">
+                <a:solidFill>
+                  <a:schemeClr val="tx1"/>
+                </a:solidFill>
+                <a:latin typeface="+mn-lt"/>
+                <a:ea typeface="+mn-ea"/>
+                <a:cs typeface="+mn-cs"/>
+              </a:defRPr>
+            </a:lvl4pPr>
+            <a:lvl5pPr marL="2057400" indent="-228600" algn="l" defTabSz="914400" rtl="0" eaLnBrk="1" latinLnBrk="0" hangingPunct="1">
+              <a:lnSpc>
+                <a:spcPct val="90000"/>
+              </a:lnSpc>
+              <a:spcBef>
+                <a:spcPts val="500"/>
+              </a:spcBef>
+              <a:buFont typeface="Arial" panose="020B0604020202020204" pitchFamily="34" charset="0"/>
+              <a:buChar char="•"/>
+              <a:defRPr sz="1800" kern="1200">
+                <a:solidFill>
+                  <a:schemeClr val="tx1"/>
+                </a:solidFill>
+                <a:latin typeface="+mn-lt"/>
+                <a:ea typeface="+mn-ea"/>
+                <a:cs typeface="+mn-cs"/>
+              </a:defRPr>
+            </a:lvl5pPr>
+            <a:lvl6pPr marL="2514600" indent="-228600" algn="l" defTabSz="914400" rtl="0" eaLnBrk="1" latinLnBrk="0" hangingPunct="1">
+              <a:lnSpc>
+                <a:spcPct val="90000"/>
+              </a:lnSpc>
+              <a:spcBef>
+                <a:spcPts val="500"/>
+              </a:spcBef>
+              <a:buFont typeface="Arial" panose="020B0604020202020204" pitchFamily="34" charset="0"/>
+              <a:buChar char="•"/>
+              <a:defRPr sz="1800" kern="1200">
+                <a:solidFill>
+                  <a:schemeClr val="tx1"/>
+                </a:solidFill>
+                <a:latin typeface="+mn-lt"/>
+                <a:ea typeface="+mn-ea"/>
+                <a:cs typeface="+mn-cs"/>
+              </a:defRPr>
+            </a:lvl6pPr>
+            <a:lvl7pPr marL="2971800" indent="-228600" algn="l" defTabSz="914400" rtl="0" eaLnBrk="1" latinLnBrk="0" hangingPunct="1">
+              <a:lnSpc>
+                <a:spcPct val="90000"/>
+              </a:lnSpc>
+              <a:spcBef>
+                <a:spcPts val="500"/>
+              </a:spcBef>
+              <a:buFont typeface="Arial" panose="020B0604020202020204" pitchFamily="34" charset="0"/>
+              <a:buChar char="•"/>
+              <a:defRPr sz="1800" kern="1200">
+                <a:solidFill>
+                  <a:schemeClr val="tx1"/>
+                </a:solidFill>
+                <a:latin typeface="+mn-lt"/>
+                <a:ea typeface="+mn-ea"/>
+                <a:cs typeface="+mn-cs"/>
+              </a:defRPr>
+            </a:lvl7pPr>
+            <a:lvl8pPr marL="3429000" indent="-228600" algn="l" defTabSz="914400" rtl="0" eaLnBrk="1" latinLnBrk="0" hangingPunct="1">
+              <a:lnSpc>
+                <a:spcPct val="90000"/>
+              </a:lnSpc>
+              <a:spcBef>
+                <a:spcPts val="500"/>
+              </a:spcBef>
+              <a:buFont typeface="Arial" panose="020B0604020202020204" pitchFamily="34" charset="0"/>
+              <a:buChar char="•"/>
+              <a:defRPr sz="1800" kern="1200">
+                <a:solidFill>
+                  <a:schemeClr val="tx1"/>
+                </a:solidFill>
+                <a:latin typeface="+mn-lt"/>
+                <a:ea typeface="+mn-ea"/>
+                <a:cs typeface="+mn-cs"/>
+              </a:defRPr>
+            </a:lvl8pPr>
+            <a:lvl9pPr marL="3886200" indent="-228600" algn="l" defTabSz="914400" rtl="0" eaLnBrk="1" latinLnBrk="0" hangingPunct="1">
+              <a:lnSpc>
+                <a:spcPct val="90000"/>
+              </a:lnSpc>
+              <a:spcBef>
+                <a:spcPts val="500"/>
+              </a:spcBef>
+              <a:buFont typeface="Arial" panose="020B0604020202020204" pitchFamily="34" charset="0"/>
+              <a:buChar char="•"/>
+              <a:defRPr sz="1800" kern="1200">
+                <a:solidFill>
+                  <a:schemeClr val="tx1"/>
+                </a:solidFill>
+                <a:latin typeface="+mn-lt"/>
+                <a:ea typeface="+mn-ea"/>
+                <a:cs typeface="+mn-cs"/>
+              </a:defRPr>
+            </a:lvl9pPr>
+          </a:lstStyle>
+          <a:p>
+            <a:r>
+              <a:rPr lang="pt-BR" dirty="0">
+                <a:solidFill>
+                  <a:schemeClr val="accent1">
+                    <a:lumMod val="50000"/>
+                  </a:schemeClr>
+                </a:solidFill>
+              </a:rPr>
+              <a:t>Através da página de suporte da </a:t>
+            </a:r>
+            <a:r>
+              <a:rPr lang="pt-BR" dirty="0" err="1">
+                <a:solidFill>
+                  <a:schemeClr val="accent1">
+                    <a:lumMod val="50000"/>
+                  </a:schemeClr>
+                </a:solidFill>
+              </a:rPr>
+              <a:t>FepWeb</a:t>
+            </a:r>
+            <a:r>
+              <a:rPr lang="pt-BR" dirty="0">
+                <a:solidFill>
+                  <a:schemeClr val="accent1">
+                    <a:lumMod val="50000"/>
+                  </a:schemeClr>
+                </a:solidFill>
+              </a:rPr>
+              <a:t> será possível acessar o </a:t>
+            </a:r>
+            <a:r>
+              <a:rPr lang="pt-BR" dirty="0" err="1">
+                <a:solidFill>
+                  <a:schemeClr val="accent1">
+                    <a:lumMod val="50000"/>
+                  </a:schemeClr>
+                </a:solidFill>
+              </a:rPr>
+              <a:t>chatbot</a:t>
+            </a:r>
+            <a:r>
+              <a:rPr lang="pt-BR" dirty="0">
+                <a:solidFill>
+                  <a:schemeClr val="accent1">
+                    <a:lumMod val="50000"/>
+                  </a:schemeClr>
+                </a:solidFill>
+              </a:rPr>
+              <a:t> em destaque para que o cliente interaja, preferencialmente, por ele</a:t>
+            </a:r>
+          </a:p>
+          <a:p>
+            <a:pPr marL="0" indent="0">
+              <a:buNone/>
+            </a:pPr>
+            <a:endParaRPr lang="pt-BR" dirty="0">
               <a:solidFill>
-                <a:schemeClr val="accent1"/>
+                <a:schemeClr val="accent1">
+                  <a:lumMod val="50000"/>
+                </a:schemeClr>
               </a:solidFill>
-              <a:latin typeface="Lucida Console" panose="020B0609040504020204" pitchFamily="49" charset="0"/>
+            </a:endParaRPr>
+          </a:p>
+        </p:txBody>
+      </p:sp>
+      <p:sp>
+        <p:nvSpPr>
+          <p:cNvPr id="7" name="Espaço Reservado para Conteúdo 2">
+            <a:extLst>
+              <a:ext uri="{FF2B5EF4-FFF2-40B4-BE49-F238E27FC236}">
+                <a16:creationId xmlns:a16="http://schemas.microsoft.com/office/drawing/2014/main" id="{C4E1AA99-63A7-4404-B9E0-64AFEFD44D70}"/>
+              </a:ext>
+            </a:extLst>
+          </p:cNvPr>
+          <p:cNvSpPr txBox="1">
+            <a:spLocks/>
+          </p:cNvSpPr>
+          <p:nvPr/>
+        </p:nvSpPr>
+        <p:spPr>
+          <a:xfrm>
+            <a:off x="6407900" y="1600201"/>
+            <a:ext cx="5001126" cy="3324726"/>
+          </a:xfrm>
+          <a:prstGeom prst="rect">
+            <a:avLst/>
+          </a:prstGeom>
+        </p:spPr>
+        <p:txBody>
+          <a:bodyPr vert="horz" lIns="91440" tIns="45720" rIns="91440" bIns="45720" rtlCol="0">
+            <a:normAutofit/>
+          </a:bodyPr>
+          <a:lstStyle>
+            <a:lvl1pPr marL="228600" indent="-228600" algn="l" defTabSz="914400" rtl="0" eaLnBrk="1" latinLnBrk="0" hangingPunct="1">
+              <a:lnSpc>
+                <a:spcPct val="90000"/>
+              </a:lnSpc>
+              <a:spcBef>
+                <a:spcPts val="1000"/>
+              </a:spcBef>
+              <a:buFont typeface="Arial" panose="020B0604020202020204" pitchFamily="34" charset="0"/>
+              <a:buChar char="•"/>
+              <a:defRPr sz="2800" kern="1200">
+                <a:solidFill>
+                  <a:schemeClr val="tx1"/>
+                </a:solidFill>
+                <a:latin typeface="+mn-lt"/>
+                <a:ea typeface="+mn-ea"/>
+                <a:cs typeface="+mn-cs"/>
+              </a:defRPr>
+            </a:lvl1pPr>
+            <a:lvl2pPr marL="685800" indent="-228600" algn="l" defTabSz="914400" rtl="0" eaLnBrk="1" latinLnBrk="0" hangingPunct="1">
+              <a:lnSpc>
+                <a:spcPct val="90000"/>
+              </a:lnSpc>
+              <a:spcBef>
+                <a:spcPts val="500"/>
+              </a:spcBef>
+              <a:buFont typeface="Arial" panose="020B0604020202020204" pitchFamily="34" charset="0"/>
+              <a:buChar char="•"/>
+              <a:defRPr sz="2400" kern="1200">
+                <a:solidFill>
+                  <a:schemeClr val="tx1"/>
+                </a:solidFill>
+                <a:latin typeface="+mn-lt"/>
+                <a:ea typeface="+mn-ea"/>
+                <a:cs typeface="+mn-cs"/>
+              </a:defRPr>
+            </a:lvl2pPr>
+            <a:lvl3pPr marL="1143000" indent="-228600" algn="l" defTabSz="914400" rtl="0" eaLnBrk="1" latinLnBrk="0" hangingPunct="1">
+              <a:lnSpc>
+                <a:spcPct val="90000"/>
+              </a:lnSpc>
+              <a:spcBef>
+                <a:spcPts val="500"/>
+              </a:spcBef>
+              <a:buFont typeface="Arial" panose="020B0604020202020204" pitchFamily="34" charset="0"/>
+              <a:buChar char="•"/>
+              <a:defRPr sz="2000" kern="1200">
+                <a:solidFill>
+                  <a:schemeClr val="tx1"/>
+                </a:solidFill>
+                <a:latin typeface="+mn-lt"/>
+                <a:ea typeface="+mn-ea"/>
+                <a:cs typeface="+mn-cs"/>
+              </a:defRPr>
+            </a:lvl3pPr>
+            <a:lvl4pPr marL="1600200" indent="-228600" algn="l" defTabSz="914400" rtl="0" eaLnBrk="1" latinLnBrk="0" hangingPunct="1">
+              <a:lnSpc>
+                <a:spcPct val="90000"/>
+              </a:lnSpc>
+              <a:spcBef>
+                <a:spcPts val="500"/>
+              </a:spcBef>
+              <a:buFont typeface="Arial" panose="020B0604020202020204" pitchFamily="34" charset="0"/>
+              <a:buChar char="•"/>
+              <a:defRPr sz="1800" kern="1200">
+                <a:solidFill>
+                  <a:schemeClr val="tx1"/>
+                </a:solidFill>
+                <a:latin typeface="+mn-lt"/>
+                <a:ea typeface="+mn-ea"/>
+                <a:cs typeface="+mn-cs"/>
+              </a:defRPr>
+            </a:lvl4pPr>
+            <a:lvl5pPr marL="2057400" indent="-228600" algn="l" defTabSz="914400" rtl="0" eaLnBrk="1" latinLnBrk="0" hangingPunct="1">
+              <a:lnSpc>
+                <a:spcPct val="90000"/>
+              </a:lnSpc>
+              <a:spcBef>
+                <a:spcPts val="500"/>
+              </a:spcBef>
+              <a:buFont typeface="Arial" panose="020B0604020202020204" pitchFamily="34" charset="0"/>
+              <a:buChar char="•"/>
+              <a:defRPr sz="1800" kern="1200">
+                <a:solidFill>
+                  <a:schemeClr val="tx1"/>
+                </a:solidFill>
+                <a:latin typeface="+mn-lt"/>
+                <a:ea typeface="+mn-ea"/>
+                <a:cs typeface="+mn-cs"/>
+              </a:defRPr>
+            </a:lvl5pPr>
+            <a:lvl6pPr marL="2514600" indent="-228600" algn="l" defTabSz="914400" rtl="0" eaLnBrk="1" latinLnBrk="0" hangingPunct="1">
+              <a:lnSpc>
+                <a:spcPct val="90000"/>
+              </a:lnSpc>
+              <a:spcBef>
+                <a:spcPts val="500"/>
+              </a:spcBef>
+              <a:buFont typeface="Arial" panose="020B0604020202020204" pitchFamily="34" charset="0"/>
+              <a:buChar char="•"/>
+              <a:defRPr sz="1800" kern="1200">
+                <a:solidFill>
+                  <a:schemeClr val="tx1"/>
+                </a:solidFill>
+                <a:latin typeface="+mn-lt"/>
+                <a:ea typeface="+mn-ea"/>
+                <a:cs typeface="+mn-cs"/>
+              </a:defRPr>
+            </a:lvl6pPr>
+            <a:lvl7pPr marL="2971800" indent="-228600" algn="l" defTabSz="914400" rtl="0" eaLnBrk="1" latinLnBrk="0" hangingPunct="1">
+              <a:lnSpc>
+                <a:spcPct val="90000"/>
+              </a:lnSpc>
+              <a:spcBef>
+                <a:spcPts val="500"/>
+              </a:spcBef>
+              <a:buFont typeface="Arial" panose="020B0604020202020204" pitchFamily="34" charset="0"/>
+              <a:buChar char="•"/>
+              <a:defRPr sz="1800" kern="1200">
+                <a:solidFill>
+                  <a:schemeClr val="tx1"/>
+                </a:solidFill>
+                <a:latin typeface="+mn-lt"/>
+                <a:ea typeface="+mn-ea"/>
+                <a:cs typeface="+mn-cs"/>
+              </a:defRPr>
+            </a:lvl7pPr>
+            <a:lvl8pPr marL="3429000" indent="-228600" algn="l" defTabSz="914400" rtl="0" eaLnBrk="1" latinLnBrk="0" hangingPunct="1">
+              <a:lnSpc>
+                <a:spcPct val="90000"/>
+              </a:lnSpc>
+              <a:spcBef>
+                <a:spcPts val="500"/>
+              </a:spcBef>
+              <a:buFont typeface="Arial" panose="020B0604020202020204" pitchFamily="34" charset="0"/>
+              <a:buChar char="•"/>
+              <a:defRPr sz="1800" kern="1200">
+                <a:solidFill>
+                  <a:schemeClr val="tx1"/>
+                </a:solidFill>
+                <a:latin typeface="+mn-lt"/>
+                <a:ea typeface="+mn-ea"/>
+                <a:cs typeface="+mn-cs"/>
+              </a:defRPr>
+            </a:lvl8pPr>
+            <a:lvl9pPr marL="3886200" indent="-228600" algn="l" defTabSz="914400" rtl="0" eaLnBrk="1" latinLnBrk="0" hangingPunct="1">
+              <a:lnSpc>
+                <a:spcPct val="90000"/>
+              </a:lnSpc>
+              <a:spcBef>
+                <a:spcPts val="500"/>
+              </a:spcBef>
+              <a:buFont typeface="Arial" panose="020B0604020202020204" pitchFamily="34" charset="0"/>
+              <a:buChar char="•"/>
+              <a:defRPr sz="1800" kern="1200">
+                <a:solidFill>
+                  <a:schemeClr val="tx1"/>
+                </a:solidFill>
+                <a:latin typeface="+mn-lt"/>
+                <a:ea typeface="+mn-ea"/>
+                <a:cs typeface="+mn-cs"/>
+              </a:defRPr>
+            </a:lvl9pPr>
+          </a:lstStyle>
+          <a:p>
+            <a:r>
+              <a:rPr lang="pt-BR" dirty="0">
+                <a:solidFill>
+                  <a:schemeClr val="accent1">
+                    <a:lumMod val="50000"/>
+                  </a:schemeClr>
+                </a:solidFill>
+              </a:rPr>
+              <a:t>Imagem da tela da </a:t>
+            </a:r>
+            <a:r>
+              <a:rPr lang="pt-BR" dirty="0" err="1">
+                <a:solidFill>
+                  <a:schemeClr val="accent1">
+                    <a:lumMod val="50000"/>
+                  </a:schemeClr>
+                </a:solidFill>
+              </a:rPr>
+              <a:t>FepWeb</a:t>
+            </a:r>
+            <a:r>
+              <a:rPr lang="pt-BR" dirty="0">
+                <a:solidFill>
+                  <a:schemeClr val="accent1">
+                    <a:lumMod val="50000"/>
+                  </a:schemeClr>
+                </a:solidFill>
+              </a:rPr>
+              <a:t> com o </a:t>
+            </a:r>
+            <a:r>
+              <a:rPr lang="pt-BR" dirty="0" err="1">
+                <a:solidFill>
+                  <a:schemeClr val="accent1">
+                    <a:lumMod val="50000"/>
+                  </a:schemeClr>
+                </a:solidFill>
+              </a:rPr>
+              <a:t>chatbot</a:t>
+            </a:r>
+            <a:endParaRPr lang="pt-BR" dirty="0">
+              <a:solidFill>
+                <a:schemeClr val="accent1">
+                  <a:lumMod val="50000"/>
+                </a:schemeClr>
+              </a:solidFill>
             </a:endParaRPr>
           </a:p>
         </p:txBody>
@@ -4654,7 +5712,7 @@
     </p:spTree>
     <p:extLst>
       <p:ext uri="{BB962C8B-B14F-4D97-AF65-F5344CB8AC3E}">
-        <p14:creationId xmlns:p14="http://schemas.microsoft.com/office/powerpoint/2010/main" val="1069095403"/>
+        <p14:creationId xmlns:p14="http://schemas.microsoft.com/office/powerpoint/2010/main" val="1083280226"/>
       </p:ext>
     </p:extLst>
   </p:cSld>
@@ -4683,14 +5741,20 @@
       </p:grpSpPr>
       <p:sp>
         <p:nvSpPr>
-          <p:cNvPr id="4" name="CaixaDeTexto 3"/>
+          <p:cNvPr id="4" name="CaixaDeTexto 3">
+            <a:extLst>
+              <a:ext uri="{FF2B5EF4-FFF2-40B4-BE49-F238E27FC236}">
+                <a16:creationId xmlns:a16="http://schemas.microsoft.com/office/drawing/2014/main" id="{67E9903B-D924-4971-84D2-3C68C90196A8}"/>
+              </a:ext>
+            </a:extLst>
+          </p:cNvPr>
           <p:cNvSpPr txBox="1"/>
           <p:nvPr/>
         </p:nvSpPr>
         <p:spPr>
           <a:xfrm>
             <a:off x="368048" y="246743"/>
-            <a:ext cx="1544012" cy="769441"/>
+            <a:ext cx="3922869" cy="769441"/>
           </a:xfrm>
           <a:prstGeom prst="rect">
             <a:avLst/>
@@ -4704,21 +5768,284 @@
           <a:lstStyle/>
           <a:p>
             <a:r>
-              <a:rPr lang="pt-BR" sz="4400" b="1" dirty="0" smtClean="0">
+              <a:rPr lang="pt-BR" sz="4400" b="1" dirty="0">
                 <a:ln w="0"/>
                 <a:solidFill>
                   <a:schemeClr val="accent1"/>
                 </a:solidFill>
                 <a:latin typeface="Lucida Console" panose="020B0609040504020204" pitchFamily="49" charset="0"/>
               </a:rPr>
-              <a:t>[IA]</a:t>
-            </a:r>
-            <a:endParaRPr lang="pt-BR" sz="4400" b="1" dirty="0">
-              <a:ln w="0"/>
+              <a:t>[</a:t>
+            </a:r>
+            <a:r>
+              <a:rPr lang="pt-BR" sz="4400" b="1" dirty="0" err="1">
+                <a:ln w="0"/>
+                <a:solidFill>
+                  <a:schemeClr val="accent1"/>
+                </a:solidFill>
+                <a:latin typeface="Lucida Console" panose="020B0609040504020204" pitchFamily="49" charset="0"/>
+              </a:rPr>
+              <a:t>Dashboard</a:t>
+            </a:r>
+            <a:r>
+              <a:rPr lang="pt-BR" sz="4400" b="1" dirty="0">
+                <a:ln w="0"/>
+                <a:solidFill>
+                  <a:schemeClr val="accent1"/>
+                </a:solidFill>
+                <a:latin typeface="Lucida Console" panose="020B0609040504020204" pitchFamily="49" charset="0"/>
+              </a:rPr>
+              <a:t>]</a:t>
+            </a:r>
+          </a:p>
+        </p:txBody>
+      </p:sp>
+      <p:pic>
+        <p:nvPicPr>
+          <p:cNvPr id="5" name="Imagem 4">
+            <a:extLst>
+              <a:ext uri="{FF2B5EF4-FFF2-40B4-BE49-F238E27FC236}">
+                <a16:creationId xmlns:a16="http://schemas.microsoft.com/office/drawing/2014/main" id="{2D271FFA-AB9A-4FBD-85FD-860D97C60D12}"/>
+              </a:ext>
+            </a:extLst>
+          </p:cNvPr>
+          <p:cNvPicPr>
+            <a:picLocks noChangeAspect="1"/>
+          </p:cNvPicPr>
+          <p:nvPr/>
+        </p:nvPicPr>
+        <p:blipFill>
+          <a:blip r:embed="rId2">
+            <a:extLst>
+              <a:ext uri="{28A0092B-C50C-407E-A947-70E740481C1C}">
+                <a14:useLocalDpi xmlns:a14="http://schemas.microsoft.com/office/drawing/2010/main" val="0"/>
+              </a:ext>
+            </a:extLst>
+          </a:blip>
+          <a:stretch>
+            <a:fillRect/>
+          </a:stretch>
+        </p:blipFill>
+        <p:spPr>
+          <a:xfrm>
+            <a:off x="5828173" y="2052473"/>
+            <a:ext cx="5787333" cy="2753054"/>
+          </a:xfrm>
+          <a:prstGeom prst="rect">
+            <a:avLst/>
+          </a:prstGeom>
+        </p:spPr>
+      </p:pic>
+      <p:sp>
+        <p:nvSpPr>
+          <p:cNvPr id="6" name="Espaço Reservado para Conteúdo 2">
+            <a:extLst>
+              <a:ext uri="{FF2B5EF4-FFF2-40B4-BE49-F238E27FC236}">
+                <a16:creationId xmlns:a16="http://schemas.microsoft.com/office/drawing/2014/main" id="{ECB5335E-A8EA-4A41-8B60-DBE2D8AEB924}"/>
+              </a:ext>
+            </a:extLst>
+          </p:cNvPr>
+          <p:cNvSpPr txBox="1">
+            <a:spLocks/>
+          </p:cNvSpPr>
+          <p:nvPr/>
+        </p:nvSpPr>
+        <p:spPr>
+          <a:xfrm>
+            <a:off x="368048" y="1600201"/>
+            <a:ext cx="5001126" cy="3324726"/>
+          </a:xfrm>
+          <a:prstGeom prst="rect">
+            <a:avLst/>
+          </a:prstGeom>
+        </p:spPr>
+        <p:txBody>
+          <a:bodyPr vert="horz" lIns="91440" tIns="45720" rIns="91440" bIns="45720" rtlCol="0">
+            <a:normAutofit/>
+          </a:bodyPr>
+          <a:lstStyle>
+            <a:lvl1pPr marL="228600" indent="-228600" algn="l" defTabSz="914400" rtl="0" eaLnBrk="1" latinLnBrk="0" hangingPunct="1">
+              <a:lnSpc>
+                <a:spcPct val="90000"/>
+              </a:lnSpc>
+              <a:spcBef>
+                <a:spcPts val="1000"/>
+              </a:spcBef>
+              <a:buFont typeface="Arial" panose="020B0604020202020204" pitchFamily="34" charset="0"/>
+              <a:buChar char="•"/>
+              <a:defRPr sz="2800" kern="1200">
+                <a:solidFill>
+                  <a:schemeClr val="tx1"/>
+                </a:solidFill>
+                <a:latin typeface="+mn-lt"/>
+                <a:ea typeface="+mn-ea"/>
+                <a:cs typeface="+mn-cs"/>
+              </a:defRPr>
+            </a:lvl1pPr>
+            <a:lvl2pPr marL="685800" indent="-228600" algn="l" defTabSz="914400" rtl="0" eaLnBrk="1" latinLnBrk="0" hangingPunct="1">
+              <a:lnSpc>
+                <a:spcPct val="90000"/>
+              </a:lnSpc>
+              <a:spcBef>
+                <a:spcPts val="500"/>
+              </a:spcBef>
+              <a:buFont typeface="Arial" panose="020B0604020202020204" pitchFamily="34" charset="0"/>
+              <a:buChar char="•"/>
+              <a:defRPr sz="2400" kern="1200">
+                <a:solidFill>
+                  <a:schemeClr val="tx1"/>
+                </a:solidFill>
+                <a:latin typeface="+mn-lt"/>
+                <a:ea typeface="+mn-ea"/>
+                <a:cs typeface="+mn-cs"/>
+              </a:defRPr>
+            </a:lvl2pPr>
+            <a:lvl3pPr marL="1143000" indent="-228600" algn="l" defTabSz="914400" rtl="0" eaLnBrk="1" latinLnBrk="0" hangingPunct="1">
+              <a:lnSpc>
+                <a:spcPct val="90000"/>
+              </a:lnSpc>
+              <a:spcBef>
+                <a:spcPts val="500"/>
+              </a:spcBef>
+              <a:buFont typeface="Arial" panose="020B0604020202020204" pitchFamily="34" charset="0"/>
+              <a:buChar char="•"/>
+              <a:defRPr sz="2000" kern="1200">
+                <a:solidFill>
+                  <a:schemeClr val="tx1"/>
+                </a:solidFill>
+                <a:latin typeface="+mn-lt"/>
+                <a:ea typeface="+mn-ea"/>
+                <a:cs typeface="+mn-cs"/>
+              </a:defRPr>
+            </a:lvl3pPr>
+            <a:lvl4pPr marL="1600200" indent="-228600" algn="l" defTabSz="914400" rtl="0" eaLnBrk="1" latinLnBrk="0" hangingPunct="1">
+              <a:lnSpc>
+                <a:spcPct val="90000"/>
+              </a:lnSpc>
+              <a:spcBef>
+                <a:spcPts val="500"/>
+              </a:spcBef>
+              <a:buFont typeface="Arial" panose="020B0604020202020204" pitchFamily="34" charset="0"/>
+              <a:buChar char="•"/>
+              <a:defRPr sz="1800" kern="1200">
+                <a:solidFill>
+                  <a:schemeClr val="tx1"/>
+                </a:solidFill>
+                <a:latin typeface="+mn-lt"/>
+                <a:ea typeface="+mn-ea"/>
+                <a:cs typeface="+mn-cs"/>
+              </a:defRPr>
+            </a:lvl4pPr>
+            <a:lvl5pPr marL="2057400" indent="-228600" algn="l" defTabSz="914400" rtl="0" eaLnBrk="1" latinLnBrk="0" hangingPunct="1">
+              <a:lnSpc>
+                <a:spcPct val="90000"/>
+              </a:lnSpc>
+              <a:spcBef>
+                <a:spcPts val="500"/>
+              </a:spcBef>
+              <a:buFont typeface="Arial" panose="020B0604020202020204" pitchFamily="34" charset="0"/>
+              <a:buChar char="•"/>
+              <a:defRPr sz="1800" kern="1200">
+                <a:solidFill>
+                  <a:schemeClr val="tx1"/>
+                </a:solidFill>
+                <a:latin typeface="+mn-lt"/>
+                <a:ea typeface="+mn-ea"/>
+                <a:cs typeface="+mn-cs"/>
+              </a:defRPr>
+            </a:lvl5pPr>
+            <a:lvl6pPr marL="2514600" indent="-228600" algn="l" defTabSz="914400" rtl="0" eaLnBrk="1" latinLnBrk="0" hangingPunct="1">
+              <a:lnSpc>
+                <a:spcPct val="90000"/>
+              </a:lnSpc>
+              <a:spcBef>
+                <a:spcPts val="500"/>
+              </a:spcBef>
+              <a:buFont typeface="Arial" panose="020B0604020202020204" pitchFamily="34" charset="0"/>
+              <a:buChar char="•"/>
+              <a:defRPr sz="1800" kern="1200">
+                <a:solidFill>
+                  <a:schemeClr val="tx1"/>
+                </a:solidFill>
+                <a:latin typeface="+mn-lt"/>
+                <a:ea typeface="+mn-ea"/>
+                <a:cs typeface="+mn-cs"/>
+              </a:defRPr>
+            </a:lvl6pPr>
+            <a:lvl7pPr marL="2971800" indent="-228600" algn="l" defTabSz="914400" rtl="0" eaLnBrk="1" latinLnBrk="0" hangingPunct="1">
+              <a:lnSpc>
+                <a:spcPct val="90000"/>
+              </a:lnSpc>
+              <a:spcBef>
+                <a:spcPts val="500"/>
+              </a:spcBef>
+              <a:buFont typeface="Arial" panose="020B0604020202020204" pitchFamily="34" charset="0"/>
+              <a:buChar char="•"/>
+              <a:defRPr sz="1800" kern="1200">
+                <a:solidFill>
+                  <a:schemeClr val="tx1"/>
+                </a:solidFill>
+                <a:latin typeface="+mn-lt"/>
+                <a:ea typeface="+mn-ea"/>
+                <a:cs typeface="+mn-cs"/>
+              </a:defRPr>
+            </a:lvl7pPr>
+            <a:lvl8pPr marL="3429000" indent="-228600" algn="l" defTabSz="914400" rtl="0" eaLnBrk="1" latinLnBrk="0" hangingPunct="1">
+              <a:lnSpc>
+                <a:spcPct val="90000"/>
+              </a:lnSpc>
+              <a:spcBef>
+                <a:spcPts val="500"/>
+              </a:spcBef>
+              <a:buFont typeface="Arial" panose="020B0604020202020204" pitchFamily="34" charset="0"/>
+              <a:buChar char="•"/>
+              <a:defRPr sz="1800" kern="1200">
+                <a:solidFill>
+                  <a:schemeClr val="tx1"/>
+                </a:solidFill>
+                <a:latin typeface="+mn-lt"/>
+                <a:ea typeface="+mn-ea"/>
+                <a:cs typeface="+mn-cs"/>
+              </a:defRPr>
+            </a:lvl8pPr>
+            <a:lvl9pPr marL="3886200" indent="-228600" algn="l" defTabSz="914400" rtl="0" eaLnBrk="1" latinLnBrk="0" hangingPunct="1">
+              <a:lnSpc>
+                <a:spcPct val="90000"/>
+              </a:lnSpc>
+              <a:spcBef>
+                <a:spcPts val="500"/>
+              </a:spcBef>
+              <a:buFont typeface="Arial" panose="020B0604020202020204" pitchFamily="34" charset="0"/>
+              <a:buChar char="•"/>
+              <a:defRPr sz="1800" kern="1200">
+                <a:solidFill>
+                  <a:schemeClr val="tx1"/>
+                </a:solidFill>
+                <a:latin typeface="+mn-lt"/>
+                <a:ea typeface="+mn-ea"/>
+                <a:cs typeface="+mn-cs"/>
+              </a:defRPr>
+            </a:lvl9pPr>
+          </a:lstStyle>
+          <a:p>
+            <a:r>
+              <a:rPr lang="pt-BR" dirty="0">
+                <a:solidFill>
+                  <a:schemeClr val="accent1">
+                    <a:lumMod val="50000"/>
+                  </a:schemeClr>
+                </a:solidFill>
+              </a:rPr>
+              <a:t>Monitorar os resultados dos chamados</a:t>
+            </a:r>
+          </a:p>
+          <a:p>
+            <a:endParaRPr lang="pt-BR" dirty="0">
               <a:solidFill>
-                <a:schemeClr val="accent1"/>
+                <a:schemeClr val="accent1">
+                  <a:lumMod val="50000"/>
+                </a:schemeClr>
               </a:solidFill>
-              <a:latin typeface="Lucida Console" panose="020B0609040504020204" pitchFamily="49" charset="0"/>
             </a:endParaRPr>
           </a:p>
         </p:txBody>
@@ -4726,7 +6053,7 @@
     </p:spTree>
     <p:extLst>
       <p:ext uri="{BB962C8B-B14F-4D97-AF65-F5344CB8AC3E}">
-        <p14:creationId xmlns:p14="http://schemas.microsoft.com/office/powerpoint/2010/main" val="488167630"/>
+        <p14:creationId xmlns:p14="http://schemas.microsoft.com/office/powerpoint/2010/main" val="2761794056"/>
       </p:ext>
     </p:extLst>
   </p:cSld>
@@ -4767,68 +6094,6 @@
           <a:chExt cx="0" cy="0"/>
         </a:xfrm>
       </p:grpSpPr>
-      <p:sp>
-        <p:nvSpPr>
-          <p:cNvPr id="4" name="CaixaDeTexto 3"/>
-          <p:cNvSpPr txBox="1"/>
-          <p:nvPr/>
-        </p:nvSpPr>
-        <p:spPr>
-          <a:xfrm>
-            <a:off x="368048" y="246743"/>
-            <a:ext cx="3922869" cy="769441"/>
-          </a:xfrm>
-          <a:prstGeom prst="rect">
-            <a:avLst/>
-          </a:prstGeom>
-          <a:noFill/>
-        </p:spPr>
-        <p:txBody>
-          <a:bodyPr wrap="none" rtlCol="0">
-            <a:spAutoFit/>
-          </a:bodyPr>
-          <a:lstStyle/>
-          <a:p>
-            <a:r>
-              <a:rPr lang="pt-BR" sz="4400" b="1" dirty="0" smtClean="0">
-                <a:ln w="0"/>
-                <a:solidFill>
-                  <a:schemeClr val="accent1"/>
-                </a:solidFill>
-                <a:latin typeface="Lucida Console" panose="020B0609040504020204" pitchFamily="49" charset="0"/>
-              </a:rPr>
-              <a:t>[</a:t>
-            </a:r>
-            <a:r>
-              <a:rPr lang="pt-BR" sz="4400" b="1" dirty="0" err="1" smtClean="0">
-                <a:ln w="0"/>
-                <a:solidFill>
-                  <a:schemeClr val="accent1"/>
-                </a:solidFill>
-                <a:latin typeface="Lucida Console" panose="020B0609040504020204" pitchFamily="49" charset="0"/>
-              </a:rPr>
-              <a:t>Dashboard</a:t>
-            </a:r>
-            <a:r>
-              <a:rPr lang="pt-BR" sz="4400" b="1" dirty="0" smtClean="0">
-                <a:ln w="0"/>
-                <a:solidFill>
-                  <a:schemeClr val="accent1"/>
-                </a:solidFill>
-                <a:latin typeface="Lucida Console" panose="020B0609040504020204" pitchFamily="49" charset="0"/>
-              </a:rPr>
-              <a:t>]</a:t>
-            </a:r>
-            <a:endParaRPr lang="pt-BR" sz="4400" b="1" dirty="0">
-              <a:ln w="0"/>
-              <a:solidFill>
-                <a:schemeClr val="accent1"/>
-              </a:solidFill>
-              <a:latin typeface="Lucida Console" panose="020B0609040504020204" pitchFamily="49" charset="0"/>
-            </a:endParaRPr>
-          </a:p>
-        </p:txBody>
-      </p:sp>
       <p:pic>
         <p:nvPicPr>
           <p:cNvPr id="5" name="Imagem 4"/>
@@ -4851,51 +6116,150 @@
         </p:blipFill>
         <p:spPr>
           <a:xfrm>
-            <a:off x="1575224" y="1378634"/>
-            <a:ext cx="8901294" cy="4234375"/>
+            <a:off x="9208488" y="1411705"/>
+            <a:ext cx="2145312" cy="4351338"/>
           </a:xfrm>
           <a:prstGeom prst="rect">
             <a:avLst/>
           </a:prstGeom>
         </p:spPr>
       </p:pic>
+      <p:sp>
+        <p:nvSpPr>
+          <p:cNvPr id="10" name="CaixaDeTexto 9"/>
+          <p:cNvSpPr txBox="1"/>
+          <p:nvPr/>
+        </p:nvSpPr>
+        <p:spPr>
+          <a:xfrm>
+            <a:off x="368048" y="246743"/>
+            <a:ext cx="5622052" cy="769441"/>
+          </a:xfrm>
+          <a:prstGeom prst="rect">
+            <a:avLst/>
+          </a:prstGeom>
+          <a:noFill/>
+        </p:spPr>
+        <p:txBody>
+          <a:bodyPr wrap="none" rtlCol="0">
+            <a:spAutoFit/>
+          </a:bodyPr>
+          <a:lstStyle/>
+          <a:p>
+            <a:r>
+              <a:rPr lang="pt-BR" sz="4400" b="1" dirty="0">
+                <a:ln w="0"/>
+                <a:solidFill>
+                  <a:schemeClr val="accent1"/>
+                </a:solidFill>
+                <a:latin typeface="Lucida Console" panose="020B0609040504020204" pitchFamily="49" charset="0"/>
+              </a:rPr>
+              <a:t>[</a:t>
+            </a:r>
+            <a:r>
+              <a:rPr lang="pt-BR" sz="4400" b="1" dirty="0" err="1">
+                <a:ln w="0"/>
+                <a:solidFill>
+                  <a:schemeClr val="accent1"/>
+                </a:solidFill>
+                <a:latin typeface="Lucida Console" panose="020B0609040504020204" pitchFamily="49" charset="0"/>
+              </a:rPr>
+              <a:t>Mobile_cliente</a:t>
+            </a:r>
+            <a:r>
+              <a:rPr lang="pt-BR" sz="4400" b="1" dirty="0">
+                <a:ln w="0"/>
+                <a:solidFill>
+                  <a:schemeClr val="accent1"/>
+                </a:solidFill>
+                <a:latin typeface="Lucida Console" panose="020B0609040504020204" pitchFamily="49" charset="0"/>
+              </a:rPr>
+              <a:t>]</a:t>
+            </a:r>
+          </a:p>
+        </p:txBody>
+      </p:sp>
+      <p:sp>
+        <p:nvSpPr>
+          <p:cNvPr id="3" name="Espaço Reservado para Conteúdo 2">
+            <a:extLst>
+              <a:ext uri="{FF2B5EF4-FFF2-40B4-BE49-F238E27FC236}">
+                <a16:creationId xmlns:a16="http://schemas.microsoft.com/office/drawing/2014/main" id="{D5A03EB9-5DE2-46DE-9683-3A0429472315}"/>
+              </a:ext>
+            </a:extLst>
+          </p:cNvPr>
+          <p:cNvSpPr>
+            <a:spLocks noGrp="1"/>
+          </p:cNvSpPr>
+          <p:nvPr>
+            <p:ph idx="1"/>
+          </p:nvPr>
+        </p:nvSpPr>
+        <p:spPr>
+          <a:xfrm>
+            <a:off x="838200" y="1825625"/>
+            <a:ext cx="5129463" cy="3821196"/>
+          </a:xfrm>
+        </p:spPr>
+        <p:txBody>
+          <a:bodyPr/>
+          <a:lstStyle/>
+          <a:p>
+            <a:r>
+              <a:rPr lang="pt-BR" dirty="0">
+                <a:solidFill>
+                  <a:schemeClr val="accent5">
+                    <a:lumMod val="50000"/>
+                  </a:schemeClr>
+                </a:solidFill>
+              </a:rPr>
+              <a:t>Através de um aplicativo personalizado, o cliente obterá desde suporte simples como o FAQ até o </a:t>
+            </a:r>
+            <a:r>
+              <a:rPr lang="pt-BR" dirty="0" err="1">
+                <a:solidFill>
+                  <a:schemeClr val="accent5">
+                    <a:lumMod val="50000"/>
+                  </a:schemeClr>
+                </a:solidFill>
+              </a:rPr>
+              <a:t>chatbot</a:t>
+            </a:r>
+            <a:endParaRPr lang="pt-BR" dirty="0">
+              <a:solidFill>
+                <a:schemeClr val="accent5">
+                  <a:lumMod val="50000"/>
+                </a:schemeClr>
+              </a:solidFill>
+            </a:endParaRPr>
+          </a:p>
+          <a:p>
+            <a:endParaRPr lang="en-US" dirty="0">
+              <a:solidFill>
+                <a:schemeClr val="accent5">
+                  <a:lumMod val="50000"/>
+                </a:schemeClr>
+              </a:solidFill>
+            </a:endParaRPr>
+          </a:p>
+        </p:txBody>
+      </p:sp>
     </p:spTree>
     <p:extLst>
       <p:ext uri="{BB962C8B-B14F-4D97-AF65-F5344CB8AC3E}">
-        <p14:creationId xmlns:p14="http://schemas.microsoft.com/office/powerpoint/2010/main" val="1083280226"/>
+        <p14:creationId xmlns:p14="http://schemas.microsoft.com/office/powerpoint/2010/main" val="3675967689"/>
       </p:ext>
     </p:extLst>
   </p:cSld>
   <p:clrMapOvr>
     <a:masterClrMapping/>
   </p:clrMapOvr>
-  <p:timing>
-    <p:tnLst>
-      <p:par>
-        <p:cTn id="1" dur="indefinite" restart="never" nodeType="tmRoot"/>
-      </p:par>
-    </p:tnLst>
-  </p:timing>
 </p:sld>
 </file>
 
 <file path=ppt/slides/slide9.xml><?xml version="1.0" encoding="utf-8"?>
 <p:sld xmlns:a="http://schemas.openxmlformats.org/drawingml/2006/main" xmlns:r="http://schemas.openxmlformats.org/officeDocument/2006/relationships" xmlns:p="http://schemas.openxmlformats.org/presentationml/2006/main">
   <p:cSld>
-    <p:bg>
-      <p:bgPr>
-        <a:blipFill dpi="0" rotWithShape="1">
-          <a:blip r:embed="rId2">
-            <a:lum/>
-          </a:blip>
-          <a:srcRect/>
-          <a:stretch>
-            <a:fillRect/>
-          </a:stretch>
-        </a:blipFill>
-        <a:effectLst/>
-      </p:bgPr>
-    </p:bg>
     <p:spTree>
       <p:nvGrpSpPr>
         <p:cNvPr id="1" name=""/>
@@ -4910,15 +6274,106 @@
           <a:chExt cx="0" cy="0"/>
         </a:xfrm>
       </p:grpSpPr>
-      <p:pic>
-        <p:nvPicPr>
-          <p:cNvPr id="4" name="Espaço Reservado para Conteúdo 3"/>
-          <p:cNvPicPr>
-            <a:picLocks noGrp="1" noChangeAspect="1"/>
-          </p:cNvPicPr>
+      <p:sp>
+        <p:nvSpPr>
+          <p:cNvPr id="3" name="Espaço Reservado para Conteúdo 2">
+            <a:extLst>
+              <a:ext uri="{FF2B5EF4-FFF2-40B4-BE49-F238E27FC236}">
+                <a16:creationId xmlns:a16="http://schemas.microsoft.com/office/drawing/2014/main" id="{0F27F355-9802-420F-A992-772BCBFAAAB5}"/>
+              </a:ext>
+            </a:extLst>
+          </p:cNvPr>
+          <p:cNvSpPr>
+            <a:spLocks noGrp="1"/>
+          </p:cNvSpPr>
           <p:nvPr>
             <p:ph idx="1"/>
           </p:nvPr>
+        </p:nvSpPr>
+        <p:spPr>
+          <a:xfrm>
+            <a:off x="838200" y="1825625"/>
+            <a:ext cx="5129463" cy="4075447"/>
+          </a:xfrm>
+        </p:spPr>
+        <p:txBody>
+          <a:bodyPr/>
+          <a:lstStyle/>
+          <a:p>
+            <a:r>
+              <a:rPr lang="pt-BR" dirty="0">
+                <a:solidFill>
+                  <a:schemeClr val="accent5">
+                    <a:lumMod val="50000"/>
+                  </a:schemeClr>
+                </a:solidFill>
+              </a:rPr>
+              <a:t>Será possível visualizar o histórico de protocolos de atendimento com data e hora</a:t>
+            </a:r>
+          </a:p>
+          <a:p>
+            <a:r>
+              <a:rPr lang="pt-BR" dirty="0">
+                <a:solidFill>
+                  <a:schemeClr val="accent5">
+                    <a:lumMod val="50000"/>
+                  </a:schemeClr>
+                </a:solidFill>
+              </a:rPr>
+              <a:t>Visualizar o histórico do que já foi tratado pelo chamado</a:t>
+            </a:r>
+          </a:p>
+        </p:txBody>
+      </p:sp>
+      <p:pic>
+        <p:nvPicPr>
+          <p:cNvPr id="4" name="Imagem 3">
+            <a:extLst>
+              <a:ext uri="{FF2B5EF4-FFF2-40B4-BE49-F238E27FC236}">
+                <a16:creationId xmlns:a16="http://schemas.microsoft.com/office/drawing/2014/main" id="{F72AAE66-FBEF-4912-AB07-67BA726CE64E}"/>
+              </a:ext>
+            </a:extLst>
+          </p:cNvPr>
+          <p:cNvPicPr>
+            <a:picLocks noChangeAspect="1"/>
+          </p:cNvPicPr>
+          <p:nvPr/>
+        </p:nvPicPr>
+        <p:blipFill>
+          <a:blip r:embed="rId2">
+            <a:extLst>
+              <a:ext uri="{28A0092B-C50C-407E-A947-70E740481C1C}">
+                <a14:useLocalDpi xmlns:a14="http://schemas.microsoft.com/office/drawing/2010/main" val="0"/>
+              </a:ext>
+            </a:extLst>
+          </a:blip>
+          <a:stretch>
+            <a:fillRect/>
+          </a:stretch>
+        </p:blipFill>
+        <p:spPr>
+          <a:xfrm>
+            <a:off x="6868780" y="1825625"/>
+            <a:ext cx="2012489" cy="4075447"/>
+          </a:xfrm>
+          <a:prstGeom prst="rect">
+            <a:avLst/>
+          </a:prstGeom>
+        </p:spPr>
+      </p:pic>
+      <p:pic>
+        <p:nvPicPr>
+          <p:cNvPr id="5" name="Imagem 4">
+            <a:extLst>
+              <a:ext uri="{FF2B5EF4-FFF2-40B4-BE49-F238E27FC236}">
+                <a16:creationId xmlns:a16="http://schemas.microsoft.com/office/drawing/2014/main" id="{EC687466-3F51-4AA6-AD24-BEEB94CE0F1E}"/>
+              </a:ext>
+            </a:extLst>
+          </p:cNvPr>
+          <p:cNvPicPr>
+            <a:picLocks noChangeAspect="1"/>
+          </p:cNvPicPr>
+          <p:nvPr/>
         </p:nvPicPr>
         <p:blipFill>
           <a:blip r:embed="rId3">
@@ -4934,81 +6389,30 @@
         </p:blipFill>
         <p:spPr>
           <a:xfrm>
-            <a:off x="368048" y="1331494"/>
-            <a:ext cx="1404521" cy="2857781"/>
-          </a:xfrm>
-        </p:spPr>
-      </p:pic>
-      <p:pic>
-        <p:nvPicPr>
-          <p:cNvPr id="5" name="Imagem 4"/>
-          <p:cNvPicPr>
-            <a:picLocks noChangeAspect="1"/>
-          </p:cNvPicPr>
-          <p:nvPr/>
-        </p:nvPicPr>
-        <p:blipFill>
-          <a:blip r:embed="rId4">
-            <a:extLst>
-              <a:ext uri="{28A0092B-C50C-407E-A947-70E740481C1C}">
-                <a14:useLocalDpi xmlns:a14="http://schemas.microsoft.com/office/drawing/2010/main" val="0"/>
-              </a:ext>
-            </a:extLst>
-          </a:blip>
-          <a:stretch>
-            <a:fillRect/>
-          </a:stretch>
-        </p:blipFill>
-        <p:spPr>
-          <a:xfrm>
-            <a:off x="4236383" y="1331494"/>
-            <a:ext cx="1408953" cy="2857781"/>
+            <a:off x="9353929" y="1819316"/>
+            <a:ext cx="1999871" cy="4081756"/>
           </a:xfrm>
           <a:prstGeom prst="rect">
             <a:avLst/>
           </a:prstGeom>
         </p:spPr>
       </p:pic>
-      <p:pic>
-        <p:nvPicPr>
-          <p:cNvPr id="6" name="Imagem 5"/>
-          <p:cNvPicPr>
-            <a:picLocks noChangeAspect="1"/>
-          </p:cNvPicPr>
-          <p:nvPr/>
-        </p:nvPicPr>
-        <p:blipFill>
-          <a:blip r:embed="rId5">
+      <p:sp>
+        <p:nvSpPr>
+          <p:cNvPr id="6" name="CaixaDeTexto 5">
             <a:extLst>
-              <a:ext uri="{28A0092B-C50C-407E-A947-70E740481C1C}">
-                <a14:useLocalDpi xmlns:a14="http://schemas.microsoft.com/office/drawing/2010/main" val="0"/>
+              <a:ext uri="{FF2B5EF4-FFF2-40B4-BE49-F238E27FC236}">
+                <a16:creationId xmlns:a16="http://schemas.microsoft.com/office/drawing/2014/main" id="{60AAB6DB-C236-4C92-B958-1501DF5F37C0}"/>
               </a:ext>
             </a:extLst>
-          </a:blip>
-          <a:stretch>
-            <a:fillRect/>
-          </a:stretch>
-        </p:blipFill>
-        <p:spPr>
-          <a:xfrm>
-            <a:off x="8029344" y="1331494"/>
-            <a:ext cx="1409014" cy="2857780"/>
-          </a:xfrm>
-          <a:prstGeom prst="rect">
-            <a:avLst/>
-          </a:prstGeom>
-        </p:spPr>
-      </p:pic>
-      <p:sp>
-        <p:nvSpPr>
-          <p:cNvPr id="10" name="CaixaDeTexto 9"/>
+          </p:cNvPr>
           <p:cNvSpPr txBox="1"/>
           <p:nvPr/>
         </p:nvSpPr>
         <p:spPr>
           <a:xfrm>
             <a:off x="368048" y="246743"/>
-            <a:ext cx="2903359" cy="769441"/>
+            <a:ext cx="6301725" cy="769441"/>
           </a:xfrm>
           <a:prstGeom prst="rect">
             <a:avLst/>
@@ -5022,7 +6426,7 @@
           <a:lstStyle/>
           <a:p>
             <a:r>
-              <a:rPr lang="pt-BR" sz="4400" b="1" dirty="0" smtClean="0">
+              <a:rPr lang="pt-BR" sz="4400" b="1" dirty="0">
                 <a:ln w="0"/>
                 <a:solidFill>
                   <a:schemeClr val="accent1"/>
@@ -5032,132 +6436,38 @@
               <a:t>[</a:t>
             </a:r>
             <a:r>
-              <a:rPr lang="pt-BR" sz="4400" b="1" dirty="0" smtClean="0">
+              <a:rPr lang="pt-BR" sz="4400" b="1" dirty="0" err="1">
                 <a:ln w="0"/>
                 <a:solidFill>
                   <a:schemeClr val="accent1"/>
                 </a:solidFill>
                 <a:latin typeface="Lucida Console" panose="020B0609040504020204" pitchFamily="49" charset="0"/>
               </a:rPr>
-              <a:t>Mobile]</a:t>
-            </a:r>
-            <a:endParaRPr lang="pt-BR" sz="4400" b="1" dirty="0">
-              <a:ln w="0"/>
-              <a:solidFill>
-                <a:schemeClr val="accent1"/>
-              </a:solidFill>
-              <a:latin typeface="Lucida Console" panose="020B0609040504020204" pitchFamily="49" charset="0"/>
-            </a:endParaRPr>
-          </a:p>
-        </p:txBody>
-      </p:sp>
-      <p:pic>
-        <p:nvPicPr>
-          <p:cNvPr id="7" name="Imagem 6"/>
-          <p:cNvPicPr>
-            <a:picLocks noChangeAspect="1"/>
-          </p:cNvPicPr>
-          <p:nvPr/>
-        </p:nvPicPr>
-        <p:blipFill>
-          <a:blip r:embed="rId6">
-            <a:extLst>
-              <a:ext uri="{28A0092B-C50C-407E-A947-70E740481C1C}">
-                <a14:useLocalDpi xmlns:a14="http://schemas.microsoft.com/office/drawing/2010/main" val="0"/>
-              </a:ext>
-            </a:extLst>
-          </a:blip>
-          <a:stretch>
-            <a:fillRect/>
-          </a:stretch>
-        </p:blipFill>
-        <p:spPr>
-          <a:xfrm flipH="1">
-            <a:off x="2269360" y="1335910"/>
-            <a:ext cx="1409015" cy="2853365"/>
-          </a:xfrm>
-          <a:prstGeom prst="rect">
-            <a:avLst/>
-          </a:prstGeom>
-        </p:spPr>
-      </p:pic>
-      <p:pic>
-        <p:nvPicPr>
-          <p:cNvPr id="8" name="Imagem 7"/>
-          <p:cNvPicPr>
-            <a:picLocks noChangeAspect="1"/>
-          </p:cNvPicPr>
-          <p:nvPr/>
-        </p:nvPicPr>
-        <p:blipFill>
-          <a:blip r:embed="rId7">
-            <a:extLst>
-              <a:ext uri="{28A0092B-C50C-407E-A947-70E740481C1C}">
-                <a14:useLocalDpi xmlns:a14="http://schemas.microsoft.com/office/drawing/2010/main" val="0"/>
-              </a:ext>
-            </a:extLst>
-          </a:blip>
-          <a:stretch>
-            <a:fillRect/>
-          </a:stretch>
-        </p:blipFill>
-        <p:spPr>
-          <a:xfrm flipH="1">
-            <a:off x="6113603" y="1331494"/>
-            <a:ext cx="1400181" cy="2857782"/>
-          </a:xfrm>
-          <a:prstGeom prst="rect">
-            <a:avLst/>
-          </a:prstGeom>
-        </p:spPr>
-      </p:pic>
-      <p:pic>
-        <p:nvPicPr>
-          <p:cNvPr id="9" name="Imagem 8"/>
-          <p:cNvPicPr>
-            <a:picLocks noChangeAspect="1"/>
-          </p:cNvPicPr>
-          <p:nvPr/>
-        </p:nvPicPr>
-        <p:blipFill>
-          <a:blip r:embed="rId8">
-            <a:extLst>
-              <a:ext uri="{28A0092B-C50C-407E-A947-70E740481C1C}">
-                <a14:useLocalDpi xmlns:a14="http://schemas.microsoft.com/office/drawing/2010/main" val="0"/>
-              </a:ext>
-            </a:extLst>
-          </a:blip>
-          <a:stretch>
-            <a:fillRect/>
-          </a:stretch>
-        </p:blipFill>
-        <p:spPr>
-          <a:xfrm flipH="1">
-            <a:off x="9944923" y="1332249"/>
-            <a:ext cx="1404226" cy="2857026"/>
-          </a:xfrm>
-          <a:prstGeom prst="rect">
-            <a:avLst/>
-          </a:prstGeom>
-        </p:spPr>
-      </p:pic>
+              <a:t>Mobile_atendente</a:t>
+            </a:r>
+            <a:r>
+              <a:rPr lang="pt-BR" sz="4400" b="1" dirty="0">
+                <a:ln w="0"/>
+                <a:solidFill>
+                  <a:schemeClr val="accent1"/>
+                </a:solidFill>
+                <a:latin typeface="Lucida Console" panose="020B0609040504020204" pitchFamily="49" charset="0"/>
+              </a:rPr>
+              <a:t>]</a:t>
+            </a:r>
+          </a:p>
+        </p:txBody>
+      </p:sp>
     </p:spTree>
     <p:extLst>
       <p:ext uri="{BB962C8B-B14F-4D97-AF65-F5344CB8AC3E}">
-        <p14:creationId xmlns:p14="http://schemas.microsoft.com/office/powerpoint/2010/main" val="3675967689"/>
+        <p14:creationId xmlns:p14="http://schemas.microsoft.com/office/powerpoint/2010/main" val="3849912061"/>
       </p:ext>
     </p:extLst>
   </p:cSld>
   <p:clrMapOvr>
     <a:masterClrMapping/>
   </p:clrMapOvr>
-  <p:timing>
-    <p:tnLst>
-      <p:par>
-        <p:cTn id="1" dur="indefinite" restart="never" nodeType="tmRoot"/>
-      </p:par>
-    </p:tnLst>
-  </p:timing>
 </p:sld>
 </file>
 
